--- a/CampusNet-5.pptx
+++ b/CampusNet-5.pptx
@@ -2,27 +2,27 @@
 <file path=ppt/presentation.xml><?xml version="1.0" encoding="utf-8"?>
 <p:presentation xmlns:a="http://schemas.openxmlformats.org/drawingml/2006/main" xmlns:r="http://schemas.openxmlformats.org/officeDocument/2006/relationships" xmlns:p="http://schemas.openxmlformats.org/presentationml/2006/main">
   <p:sldMasterIdLst>
-    <p:sldMasterId id="2147483648" r:id="rId5"/>
+    <p:sldMasterId id="2147483648" r:id="rId1"/>
   </p:sldMasterIdLst>
   <p:notesMasterIdLst>
-    <p:notesMasterId r:id="rId7"/>
+    <p:notesMasterId r:id="rId15"/>
   </p:notesMasterIdLst>
   <p:sldIdLst>
-    <p:sldId id="256" r:id="rId8"/>
-    <p:sldId id="257" r:id="rId9"/>
-    <p:sldId id="258" r:id="rId10"/>
-    <p:sldId id="259" r:id="rId11"/>
-    <p:sldId id="260" r:id="rId12"/>
-    <p:sldId id="261" r:id="rId13"/>
-    <p:sldId id="262" r:id="rId14"/>
-    <p:sldId id="263" r:id="rId15"/>
-    <p:sldId id="264" r:id="rId16"/>
-    <p:sldId id="265" r:id="rId17"/>
-    <p:sldId id="266" r:id="rId18"/>
-    <p:sldId id="267" r:id="rId19"/>
-    <p:sldId id="268" r:id="rId20"/>
+    <p:sldId id="256" r:id="rId2"/>
+    <p:sldId id="257" r:id="rId3"/>
+    <p:sldId id="258" r:id="rId4"/>
+    <p:sldId id="259" r:id="rId5"/>
+    <p:sldId id="260" r:id="rId6"/>
+    <p:sldId id="261" r:id="rId7"/>
+    <p:sldId id="262" r:id="rId8"/>
+    <p:sldId id="263" r:id="rId9"/>
+    <p:sldId id="264" r:id="rId10"/>
+    <p:sldId id="265" r:id="rId11"/>
+    <p:sldId id="266" r:id="rId12"/>
+    <p:sldId id="267" r:id="rId13"/>
+    <p:sldId id="268" r:id="rId14"/>
   </p:sldIdLst>
-  <p:sldSz cx="9144000" cy="6858000"/>
+  <p:sldSz cx="9144000" cy="6858000" type="screen4x3"/>
   <p:notesSz cx="6858000" cy="9144000"/>
   <p:defaultTextStyle>
     <a:defPPr marL="0" marR="0" indent="0" algn="l" defTabSz="914400" rtl="0" fontAlgn="auto" latinLnBrk="1" hangingPunct="0">
@@ -40,7 +40,7 @@
       <a:buFontTx/>
       <a:buNone/>
       <a:tabLst/>
-      <a:defRPr b="0" baseline="0" cap="none" i="0" spc="0" strike="noStrike" sz="1800" u="none" kumimoji="0" normalizeH="0">
+      <a:defRPr kumimoji="0" sz="1800" b="0" i="0" u="none" strike="noStrike" cap="none" spc="0" normalizeH="0" baseline="0">
         <a:ln>
           <a:noFill/>
         </a:ln>
@@ -66,7 +66,7 @@
       <a:buFontTx/>
       <a:buNone/>
       <a:tabLst/>
-      <a:defRPr b="0" baseline="0" cap="none" i="0" spc="0" strike="noStrike" sz="1800" u="none" kumimoji="0" normalizeH="0">
+      <a:defRPr kumimoji="0" sz="1800" b="0" i="0" u="none" strike="noStrike" cap="none" spc="0" normalizeH="0" baseline="0">
         <a:ln>
           <a:noFill/>
         </a:ln>
@@ -96,7 +96,7 @@
       <a:buFontTx/>
       <a:buNone/>
       <a:tabLst/>
-      <a:defRPr b="0" baseline="0" cap="none" i="0" spc="0" strike="noStrike" sz="1800" u="none" kumimoji="0" normalizeH="0">
+      <a:defRPr kumimoji="0" sz="1800" b="0" i="0" u="none" strike="noStrike" cap="none" spc="0" normalizeH="0" baseline="0">
         <a:ln>
           <a:noFill/>
         </a:ln>
@@ -126,7 +126,7 @@
       <a:buFontTx/>
       <a:buNone/>
       <a:tabLst/>
-      <a:defRPr b="0" baseline="0" cap="none" i="0" spc="0" strike="noStrike" sz="1800" u="none" kumimoji="0" normalizeH="0">
+      <a:defRPr kumimoji="0" sz="1800" b="0" i="0" u="none" strike="noStrike" cap="none" spc="0" normalizeH="0" baseline="0">
         <a:ln>
           <a:noFill/>
         </a:ln>
@@ -156,7 +156,7 @@
       <a:buFontTx/>
       <a:buNone/>
       <a:tabLst/>
-      <a:defRPr b="0" baseline="0" cap="none" i="0" spc="0" strike="noStrike" sz="1800" u="none" kumimoji="0" normalizeH="0">
+      <a:defRPr kumimoji="0" sz="1800" b="0" i="0" u="none" strike="noStrike" cap="none" spc="0" normalizeH="0" baseline="0">
         <a:ln>
           <a:noFill/>
         </a:ln>
@@ -186,7 +186,7 @@
       <a:buFontTx/>
       <a:buNone/>
       <a:tabLst/>
-      <a:defRPr b="0" baseline="0" cap="none" i="0" spc="0" strike="noStrike" sz="1800" u="none" kumimoji="0" normalizeH="0">
+      <a:defRPr kumimoji="0" sz="1800" b="0" i="0" u="none" strike="noStrike" cap="none" spc="0" normalizeH="0" baseline="0">
         <a:ln>
           <a:noFill/>
         </a:ln>
@@ -216,7 +216,7 @@
       <a:buFontTx/>
       <a:buNone/>
       <a:tabLst/>
-      <a:defRPr b="0" baseline="0" cap="none" i="0" spc="0" strike="noStrike" sz="1800" u="none" kumimoji="0" normalizeH="0">
+      <a:defRPr kumimoji="0" sz="1800" b="0" i="0" u="none" strike="noStrike" cap="none" spc="0" normalizeH="0" baseline="0">
         <a:ln>
           <a:noFill/>
         </a:ln>
@@ -246,7 +246,7 @@
       <a:buFontTx/>
       <a:buNone/>
       <a:tabLst/>
-      <a:defRPr b="0" baseline="0" cap="none" i="0" spc="0" strike="noStrike" sz="1800" u="none" kumimoji="0" normalizeH="0">
+      <a:defRPr kumimoji="0" sz="1800" b="0" i="0" u="none" strike="noStrike" cap="none" spc="0" normalizeH="0" baseline="0">
         <a:ln>
           <a:noFill/>
         </a:ln>
@@ -276,7 +276,7 @@
       <a:buFontTx/>
       <a:buNone/>
       <a:tabLst/>
-      <a:defRPr b="0" baseline="0" cap="none" i="0" spc="0" strike="noStrike" sz="1800" u="none" kumimoji="0" normalizeH="0">
+      <a:defRPr kumimoji="0" sz="1800" b="0" i="0" u="none" strike="noStrike" cap="none" spc="0" normalizeH="0" baseline="0">
         <a:ln>
           <a:noFill/>
         </a:ln>
@@ -306,7 +306,7 @@
       <a:buFontTx/>
       <a:buNone/>
       <a:tabLst/>
-      <a:defRPr b="0" baseline="0" cap="none" i="0" spc="0" strike="noStrike" sz="1800" u="none" kumimoji="0" normalizeH="0">
+      <a:defRPr kumimoji="0" sz="1800" b="0" i="0" u="none" strike="noStrike" cap="none" spc="0" normalizeH="0" baseline="0">
         <a:ln>
           <a:noFill/>
         </a:ln>
@@ -325,13 +325,18 @@
 </p:presentation>
 </file>
 
-<file path=ppt/commentAuthors.xml><?xml version="1.0" encoding="utf-8"?>
-<p:cmAuthorLst xmlns:a="http://schemas.openxmlformats.org/drawingml/2006/main" xmlns:r="http://schemas.openxmlformats.org/officeDocument/2006/relationships" xmlns:p="http://schemas.openxmlformats.org/presentationml/2006/main"/>
+<file path=ppt/revisionInfo.xml><?xml version="1.0" encoding="utf-8"?>
+<p1510:revInfo xmlns:a="http://schemas.openxmlformats.org/drawingml/2006/main" xmlns:r="http://schemas.openxmlformats.org/officeDocument/2006/relationships" xmlns:p1510="http://schemas.microsoft.com/office/powerpoint/2015/10/main"/>
 </file>
 
 <file path=ppt/notesMasters/notesMaster1.xml><?xml version="1.0" encoding="utf-8"?>
 <p:notesMaster xmlns:a="http://schemas.openxmlformats.org/drawingml/2006/main" xmlns:r="http://schemas.openxmlformats.org/officeDocument/2006/relationships" xmlns:p="http://schemas.openxmlformats.org/presentationml/2006/main">
   <p:cSld>
+    <p:bg>
+      <p:bgRef idx="1001">
+        <a:schemeClr val="bg1"/>
+      </p:bgRef>
+    </p:bg>
     <p:spTree>
       <p:nvGrpSpPr>
         <p:cNvPr id="1" name=""/>
@@ -349,7 +354,9 @@
       <p:sp>
         <p:nvSpPr>
           <p:cNvPr id="119" name="Shape 119"/>
-          <p:cNvSpPr/>
+          <p:cNvSpPr>
+            <a:spLocks noGrp="1" noRot="1" noChangeAspect="1"/>
+          </p:cNvSpPr>
           <p:nvPr>
             <p:ph type="sldImg"/>
           </p:nvPr>
@@ -367,14 +374,16 @@
           <a:bodyPr/>
           <a:lstStyle/>
           <a:p>
-            <a:pPr/>
+            <a:endParaRPr/>
           </a:p>
         </p:txBody>
       </p:sp>
       <p:sp>
         <p:nvSpPr>
           <p:cNvPr id="120" name="Shape 120"/>
-          <p:cNvSpPr/>
+          <p:cNvSpPr>
+            <a:spLocks noGrp="1"/>
+          </p:cNvSpPr>
           <p:nvPr>
             <p:ph type="body" sz="quarter" idx="1"/>
           </p:nvPr>
@@ -392,7 +401,7 @@
           <a:bodyPr/>
           <a:lstStyle/>
           <a:p>
-            <a:pPr/>
+            <a:endParaRPr/>
           </a:p>
         </p:txBody>
       </p:sp>
@@ -477,7 +486,7 @@
 </file>
 
 <file path=ppt/slideLayouts/slideLayout1.xml><?xml version="1.0" encoding="utf-8"?>
-<p:sldLayout xmlns:a="http://schemas.openxmlformats.org/drawingml/2006/main" xmlns:r="http://schemas.openxmlformats.org/officeDocument/2006/relationships" xmlns:p="http://schemas.openxmlformats.org/presentationml/2006/main" type="title" showMasterSp="1" showMasterPhAnim="1">
+<p:sldLayout xmlns:a="http://schemas.openxmlformats.org/drawingml/2006/main" xmlns:r="http://schemas.openxmlformats.org/officeDocument/2006/relationships" xmlns:p="http://schemas.openxmlformats.org/presentationml/2006/main" type="title">
   <p:cSld name="Title Slide">
     <p:spTree>
       <p:nvGrpSpPr>
@@ -599,7 +608,7 @@
           </a:ln>
           <a:extLst>
             <a:ext uri="{C572A759-6A51-4108-AA02-DFA0A04FC94B}">
-              <ma14:wrappingTextBoxFlag xmlns:ma14="http://schemas.microsoft.com/office/mac/drawingml/2011/main" val="1"/>
+              <ma14:wrappingTextBoxFlag xmlns:ma14="http://schemas.microsoft.com/office/mac/drawingml/2011/main" xmlns="" val="1"/>
             </a:ext>
           </a:extLst>
         </p:spPr>
@@ -609,7 +618,7 @@
           </a:bodyPr>
           <a:lstStyle>
             <a:lvl1pPr>
-              <a:defRPr b="1" i="1" sz="800">
+              <a:defRPr sz="800" b="1" i="1">
                 <a:solidFill>
                   <a:srgbClr val="003E8A"/>
                 </a:solidFill>
@@ -621,7 +630,6 @@
             </a:lvl1pPr>
           </a:lstStyle>
           <a:p>
-            <a:pPr/>
             <a:r>
               <a:t>Learning with Purpose</a:t>
             </a:r>
@@ -661,7 +669,7 @@
             <a:miter lim="400000"/>
           </a:ln>
           <a:effectLst>
-            <a:outerShdw sx="100000" sy="100000" kx="0" ky="0" algn="b" rotWithShape="0" blurRad="127000" dist="38100" dir="5400000">
+            <a:outerShdw blurRad="127000" dist="38100" dir="5400000" rotWithShape="0">
               <a:srgbClr val="000000">
                 <a:alpha val="40000"/>
               </a:srgbClr>
@@ -679,13 +687,16 @@
                 </a:solidFill>
               </a:defRPr>
             </a:pPr>
+            <a:endParaRPr/>
           </a:p>
         </p:txBody>
       </p:sp>
       <p:sp>
         <p:nvSpPr>
           <p:cNvPr id="18" name="Title Text"/>
-          <p:cNvSpPr/>
+          <p:cNvSpPr>
+            <a:spLocks noGrp="1"/>
+          </p:cNvSpPr>
           <p:nvPr>
             <p:ph type="title"/>
           </p:nvPr>
@@ -714,7 +725,6 @@
             </a:lvl1pPr>
           </a:lstStyle>
           <a:p>
-            <a:pPr/>
             <a:r>
               <a:t>Title Text</a:t>
             </a:r>
@@ -724,7 +734,9 @@
       <p:sp>
         <p:nvSpPr>
           <p:cNvPr id="19" name="Body Level One…"/>
-          <p:cNvSpPr/>
+          <p:cNvSpPr>
+            <a:spLocks noGrp="1"/>
+          </p:cNvSpPr>
           <p:nvPr>
             <p:ph type="body" sz="quarter" idx="1"/>
           </p:nvPr>
@@ -788,7 +800,6 @@
             </a:lvl5pPr>
           </a:lstStyle>
           <a:p>
-            <a:pPr/>
             <a:r>
               <a:t>Body Level One</a:t>
             </a:r>
@@ -822,7 +833,9 @@
       <p:sp>
         <p:nvSpPr>
           <p:cNvPr id="20" name="Slide Number"/>
-          <p:cNvSpPr/>
+          <p:cNvSpPr>
+            <a:spLocks noGrp="1"/>
+          </p:cNvSpPr>
           <p:nvPr>
             <p:ph type="sldNum" sz="quarter" idx="2"/>
           </p:nvPr>
@@ -836,8 +849,10 @@
           <a:bodyPr/>
           <a:lstStyle/>
           <a:p>
-            <a:pPr/>
-            <a:fld id="{86CB4B4D-7CA3-9044-876B-883B54F8677D}" type="slidenum"/>
+            <a:fld id="{86CB4B4D-7CA3-9044-876B-883B54F8677D}" type="slidenum">
+              <a:t>‹#›</a:t>
+            </a:fld>
+            <a:endParaRPr/>
           </a:p>
         </p:txBody>
       </p:sp>
@@ -846,12 +861,12 @@
   <p:clrMapOvr>
     <a:masterClrMapping/>
   </p:clrMapOvr>
-  <p:transition xmlns:p14="http://schemas.microsoft.com/office/powerpoint/2010/main" spd="med" advClick="1"/>
+  <p:transition spd="med"/>
 </p:sldLayout>
 </file>
 
 <file path=ppt/slideLayouts/slideLayout10.xml><?xml version="1.0" encoding="utf-8"?>
-<p:sldLayout xmlns:a="http://schemas.openxmlformats.org/drawingml/2006/main" xmlns:r="http://schemas.openxmlformats.org/officeDocument/2006/relationships" xmlns:p="http://schemas.openxmlformats.org/presentationml/2006/main" type="tx" showMasterSp="1" showMasterPhAnim="1">
+<p:sldLayout xmlns:a="http://schemas.openxmlformats.org/drawingml/2006/main" xmlns:r="http://schemas.openxmlformats.org/officeDocument/2006/relationships" xmlns:p="http://schemas.openxmlformats.org/presentationml/2006/main" type="tx">
   <p:cSld name="Title and Vertical Text">
     <p:spTree>
       <p:nvGrpSpPr>
@@ -870,7 +885,9 @@
       <p:sp>
         <p:nvSpPr>
           <p:cNvPr id="102" name="Title Text"/>
-          <p:cNvSpPr/>
+          <p:cNvSpPr>
+            <a:spLocks noGrp="1"/>
+          </p:cNvSpPr>
           <p:nvPr>
             <p:ph type="title"/>
           </p:nvPr>
@@ -896,7 +913,7 @@
               <a:buSzTx/>
               <a:buFontTx/>
               <a:buNone/>
-              <a:defRPr b="0" sz="4400">
+              <a:defRPr sz="4400" b="0">
                 <a:solidFill>
                   <a:srgbClr val="000000"/>
                 </a:solidFill>
@@ -908,7 +925,6 @@
             </a:lvl1pPr>
           </a:lstStyle>
           <a:p>
-            <a:pPr/>
             <a:r>
               <a:t>Title Text</a:t>
             </a:r>
@@ -918,7 +934,9 @@
       <p:sp>
         <p:nvSpPr>
           <p:cNvPr id="103" name="Body Level One…"/>
-          <p:cNvSpPr/>
+          <p:cNvSpPr>
+            <a:spLocks noGrp="1"/>
+          </p:cNvSpPr>
           <p:nvPr>
             <p:ph type="body" idx="1"/>
           </p:nvPr>
@@ -1014,7 +1032,6 @@
             </a:lvl5pPr>
           </a:lstStyle>
           <a:p>
-            <a:pPr/>
             <a:r>
               <a:t>Body Level One</a:t>
             </a:r>
@@ -1048,7 +1065,9 @@
       <p:sp>
         <p:nvSpPr>
           <p:cNvPr id="104" name="Slide Number"/>
-          <p:cNvSpPr/>
+          <p:cNvSpPr>
+            <a:spLocks noGrp="1"/>
+          </p:cNvSpPr>
           <p:nvPr>
             <p:ph type="sldNum" sz="quarter" idx="2"/>
           </p:nvPr>
@@ -1070,8 +1089,10 @@
             </a:lvl1pPr>
           </a:lstStyle>
           <a:p>
-            <a:pPr/>
-            <a:fld id="{86CB4B4D-7CA3-9044-876B-883B54F8677D}" type="slidenum"/>
+            <a:fld id="{86CB4B4D-7CA3-9044-876B-883B54F8677D}" type="slidenum">
+              <a:t>‹#›</a:t>
+            </a:fld>
+            <a:endParaRPr/>
           </a:p>
         </p:txBody>
       </p:sp>
@@ -1080,12 +1101,12 @@
   <p:clrMapOvr>
     <a:masterClrMapping/>
   </p:clrMapOvr>
-  <p:transition xmlns:p14="http://schemas.microsoft.com/office/powerpoint/2010/main" spd="med" advClick="1"/>
+  <p:transition spd="med"/>
 </p:sldLayout>
 </file>
 
 <file path=ppt/slideLayouts/slideLayout11.xml><?xml version="1.0" encoding="utf-8"?>
-<p:sldLayout xmlns:a="http://schemas.openxmlformats.org/drawingml/2006/main" xmlns:r="http://schemas.openxmlformats.org/officeDocument/2006/relationships" xmlns:p="http://schemas.openxmlformats.org/presentationml/2006/main" type="tx" showMasterSp="1" showMasterPhAnim="1">
+<p:sldLayout xmlns:a="http://schemas.openxmlformats.org/drawingml/2006/main" xmlns:r="http://schemas.openxmlformats.org/officeDocument/2006/relationships" xmlns:p="http://schemas.openxmlformats.org/presentationml/2006/main" type="tx">
   <p:cSld name="Vertical Title and Text">
     <p:spTree>
       <p:nvGrpSpPr>
@@ -1104,7 +1125,9 @@
       <p:sp>
         <p:nvSpPr>
           <p:cNvPr id="111" name="Title Text"/>
-          <p:cNvSpPr/>
+          <p:cNvSpPr>
+            <a:spLocks noGrp="1"/>
+          </p:cNvSpPr>
           <p:nvPr>
             <p:ph type="title"/>
           </p:nvPr>
@@ -1130,7 +1153,7 @@
               <a:buSzTx/>
               <a:buFontTx/>
               <a:buNone/>
-              <a:defRPr b="0" sz="4400">
+              <a:defRPr sz="4400" b="0">
                 <a:solidFill>
                   <a:srgbClr val="000000"/>
                 </a:solidFill>
@@ -1142,7 +1165,6 @@
             </a:lvl1pPr>
           </a:lstStyle>
           <a:p>
-            <a:pPr/>
             <a:r>
               <a:t>Title Text</a:t>
             </a:r>
@@ -1152,7 +1174,9 @@
       <p:sp>
         <p:nvSpPr>
           <p:cNvPr id="112" name="Body Level One…"/>
-          <p:cNvSpPr/>
+          <p:cNvSpPr>
+            <a:spLocks noGrp="1"/>
+          </p:cNvSpPr>
           <p:nvPr>
             <p:ph type="body" idx="1"/>
           </p:nvPr>
@@ -1248,7 +1272,6 @@
             </a:lvl5pPr>
           </a:lstStyle>
           <a:p>
-            <a:pPr/>
             <a:r>
               <a:t>Body Level One</a:t>
             </a:r>
@@ -1282,7 +1305,9 @@
       <p:sp>
         <p:nvSpPr>
           <p:cNvPr id="113" name="Slide Number"/>
-          <p:cNvSpPr/>
+          <p:cNvSpPr>
+            <a:spLocks noGrp="1"/>
+          </p:cNvSpPr>
           <p:nvPr>
             <p:ph type="sldNum" sz="quarter" idx="2"/>
           </p:nvPr>
@@ -1304,8 +1329,10 @@
             </a:lvl1pPr>
           </a:lstStyle>
           <a:p>
-            <a:pPr/>
-            <a:fld id="{86CB4B4D-7CA3-9044-876B-883B54F8677D}" type="slidenum"/>
+            <a:fld id="{86CB4B4D-7CA3-9044-876B-883B54F8677D}" type="slidenum">
+              <a:t>‹#›</a:t>
+            </a:fld>
+            <a:endParaRPr/>
           </a:p>
         </p:txBody>
       </p:sp>
@@ -1314,12 +1341,12 @@
   <p:clrMapOvr>
     <a:masterClrMapping/>
   </p:clrMapOvr>
-  <p:transition xmlns:p14="http://schemas.microsoft.com/office/powerpoint/2010/main" spd="med" advClick="1"/>
+  <p:transition spd="med"/>
 </p:sldLayout>
 </file>
 
 <file path=ppt/slideLayouts/slideLayout2.xml><?xml version="1.0" encoding="utf-8"?>
-<p:sldLayout xmlns:a="http://schemas.openxmlformats.org/drawingml/2006/main" xmlns:r="http://schemas.openxmlformats.org/officeDocument/2006/relationships" xmlns:p="http://schemas.openxmlformats.org/presentationml/2006/main" type="tx" showMasterSp="1" showMasterPhAnim="1">
+<p:sldLayout xmlns:a="http://schemas.openxmlformats.org/drawingml/2006/main" xmlns:r="http://schemas.openxmlformats.org/officeDocument/2006/relationships" xmlns:p="http://schemas.openxmlformats.org/presentationml/2006/main" type="tx">
   <p:cSld name="Title and Content">
     <p:spTree>
       <p:nvGrpSpPr>
@@ -1338,7 +1365,9 @@
       <p:sp>
         <p:nvSpPr>
           <p:cNvPr id="27" name="Body Level One…"/>
-          <p:cNvSpPr/>
+          <p:cNvSpPr>
+            <a:spLocks noGrp="1"/>
+          </p:cNvSpPr>
           <p:nvPr>
             <p:ph type="body" idx="1"/>
           </p:nvPr>
@@ -1358,7 +1387,6 @@
             </a:lvl1pPr>
           </a:lstStyle>
           <a:p>
-            <a:pPr/>
             <a:r>
               <a:t>Body Level One</a:t>
             </a:r>
@@ -1392,7 +1420,9 @@
       <p:sp>
         <p:nvSpPr>
           <p:cNvPr id="28" name="Title Text"/>
-          <p:cNvSpPr/>
+          <p:cNvSpPr>
+            <a:spLocks noGrp="1"/>
+          </p:cNvSpPr>
           <p:nvPr>
             <p:ph type="title"/>
           </p:nvPr>
@@ -1406,7 +1436,6 @@
           <a:bodyPr/>
           <a:lstStyle/>
           <a:p>
-            <a:pPr/>
             <a:r>
               <a:t>Title Text</a:t>
             </a:r>
@@ -1416,7 +1445,9 @@
       <p:sp>
         <p:nvSpPr>
           <p:cNvPr id="29" name="Text Placeholder 15"/>
-          <p:cNvSpPr/>
+          <p:cNvSpPr>
+            <a:spLocks noGrp="1"/>
+          </p:cNvSpPr>
           <p:nvPr>
             <p:ph type="body" sz="quarter" idx="13"/>
           </p:nvPr>
@@ -1439,13 +1470,16 @@
                 <a:blip r:embed="rId2"/>
               </a:buBlip>
             </a:pPr>
+            <a:endParaRPr/>
           </a:p>
         </p:txBody>
       </p:sp>
       <p:sp>
         <p:nvSpPr>
           <p:cNvPr id="30" name="Slide Number"/>
-          <p:cNvSpPr/>
+          <p:cNvSpPr>
+            <a:spLocks noGrp="1"/>
+          </p:cNvSpPr>
           <p:nvPr>
             <p:ph type="sldNum" sz="quarter" idx="2"/>
           </p:nvPr>
@@ -1459,8 +1493,10 @@
           <a:bodyPr/>
           <a:lstStyle/>
           <a:p>
-            <a:pPr/>
-            <a:fld id="{86CB4B4D-7CA3-9044-876B-883B54F8677D}" type="slidenum"/>
+            <a:fld id="{86CB4B4D-7CA3-9044-876B-883B54F8677D}" type="slidenum">
+              <a:t>‹#›</a:t>
+            </a:fld>
+            <a:endParaRPr/>
           </a:p>
         </p:txBody>
       </p:sp>
@@ -1469,12 +1505,12 @@
   <p:clrMapOvr>
     <a:masterClrMapping/>
   </p:clrMapOvr>
-  <p:transition xmlns:p14="http://schemas.microsoft.com/office/powerpoint/2010/main" spd="med" advClick="1"/>
+  <p:transition spd="med"/>
 </p:sldLayout>
 </file>
 
 <file path=ppt/slideLayouts/slideLayout3.xml><?xml version="1.0" encoding="utf-8"?>
-<p:sldLayout xmlns:a="http://schemas.openxmlformats.org/drawingml/2006/main" xmlns:r="http://schemas.openxmlformats.org/officeDocument/2006/relationships" xmlns:p="http://schemas.openxmlformats.org/presentationml/2006/main" type="tx" showMasterSp="1" showMasterPhAnim="1">
+<p:sldLayout xmlns:a="http://schemas.openxmlformats.org/drawingml/2006/main" xmlns:r="http://schemas.openxmlformats.org/officeDocument/2006/relationships" xmlns:p="http://schemas.openxmlformats.org/presentationml/2006/main" type="tx">
   <p:cSld name="Section Header">
     <p:spTree>
       <p:nvGrpSpPr>
@@ -1493,7 +1529,9 @@
       <p:sp>
         <p:nvSpPr>
           <p:cNvPr id="37" name="Title Text"/>
-          <p:cNvSpPr/>
+          <p:cNvSpPr>
+            <a:spLocks noGrp="1"/>
+          </p:cNvSpPr>
           <p:nvPr>
             <p:ph type="title"/>
           </p:nvPr>
@@ -1511,7 +1549,6 @@
           <a:bodyPr/>
           <a:lstStyle/>
           <a:p>
-            <a:pPr/>
             <a:r>
               <a:t>Title Text</a:t>
             </a:r>
@@ -1521,7 +1558,9 @@
       <p:sp>
         <p:nvSpPr>
           <p:cNvPr id="38" name="Body Level One…"/>
-          <p:cNvSpPr/>
+          <p:cNvSpPr>
+            <a:spLocks noGrp="1"/>
+          </p:cNvSpPr>
           <p:nvPr>
             <p:ph type="body" sz="quarter" idx="1"/>
           </p:nvPr>
@@ -1593,7 +1632,6 @@
             </a:lvl5pPr>
           </a:lstStyle>
           <a:p>
-            <a:pPr/>
             <a:r>
               <a:t>Body Level One</a:t>
             </a:r>
@@ -1627,7 +1665,9 @@
       <p:sp>
         <p:nvSpPr>
           <p:cNvPr id="39" name="Slide Number"/>
-          <p:cNvSpPr/>
+          <p:cNvSpPr>
+            <a:spLocks noGrp="1"/>
+          </p:cNvSpPr>
           <p:nvPr>
             <p:ph type="sldNum" sz="quarter" idx="2"/>
           </p:nvPr>
@@ -1641,8 +1681,10 @@
           <a:bodyPr/>
           <a:lstStyle/>
           <a:p>
-            <a:pPr/>
-            <a:fld id="{86CB4B4D-7CA3-9044-876B-883B54F8677D}" type="slidenum"/>
+            <a:fld id="{86CB4B4D-7CA3-9044-876B-883B54F8677D}" type="slidenum">
+              <a:t>‹#›</a:t>
+            </a:fld>
+            <a:endParaRPr/>
           </a:p>
         </p:txBody>
       </p:sp>
@@ -1651,12 +1693,12 @@
   <p:clrMapOvr>
     <a:masterClrMapping/>
   </p:clrMapOvr>
-  <p:transition xmlns:p14="http://schemas.microsoft.com/office/powerpoint/2010/main" spd="med" advClick="1"/>
+  <p:transition spd="med"/>
 </p:sldLayout>
 </file>
 
 <file path=ppt/slideLayouts/slideLayout4.xml><?xml version="1.0" encoding="utf-8"?>
-<p:sldLayout xmlns:a="http://schemas.openxmlformats.org/drawingml/2006/main" xmlns:r="http://schemas.openxmlformats.org/officeDocument/2006/relationships" xmlns:p="http://schemas.openxmlformats.org/presentationml/2006/main" type="tx" showMasterSp="1" showMasterPhAnim="1">
+<p:sldLayout xmlns:a="http://schemas.openxmlformats.org/drawingml/2006/main" xmlns:r="http://schemas.openxmlformats.org/officeDocument/2006/relationships" xmlns:p="http://schemas.openxmlformats.org/presentationml/2006/main" type="tx">
   <p:cSld name="Two Content">
     <p:spTree>
       <p:nvGrpSpPr>
@@ -1675,7 +1717,9 @@
       <p:sp>
         <p:nvSpPr>
           <p:cNvPr id="46" name="Body Level One…"/>
-          <p:cNvSpPr/>
+          <p:cNvSpPr>
+            <a:spLocks noGrp="1"/>
+          </p:cNvSpPr>
           <p:nvPr>
             <p:ph type="body" sz="half" idx="1"/>
           </p:nvPr>
@@ -1719,7 +1763,6 @@
             </a:lvl5pPr>
           </a:lstStyle>
           <a:p>
-            <a:pPr/>
             <a:r>
               <a:t>Body Level One</a:t>
             </a:r>
@@ -1753,7 +1796,9 @@
       <p:sp>
         <p:nvSpPr>
           <p:cNvPr id="47" name="Title Text"/>
-          <p:cNvSpPr/>
+          <p:cNvSpPr>
+            <a:spLocks noGrp="1"/>
+          </p:cNvSpPr>
           <p:nvPr>
             <p:ph type="title"/>
           </p:nvPr>
@@ -1767,7 +1812,6 @@
           <a:bodyPr/>
           <a:lstStyle/>
           <a:p>
-            <a:pPr/>
             <a:r>
               <a:t>Title Text</a:t>
             </a:r>
@@ -1777,7 +1821,9 @@
       <p:sp>
         <p:nvSpPr>
           <p:cNvPr id="48" name="Text Placeholder 15"/>
-          <p:cNvSpPr/>
+          <p:cNvSpPr>
+            <a:spLocks noGrp="1"/>
+          </p:cNvSpPr>
           <p:nvPr>
             <p:ph type="body" sz="quarter" idx="13"/>
           </p:nvPr>
@@ -1800,13 +1846,16 @@
                 <a:blip r:embed="rId2"/>
               </a:buBlip>
             </a:pPr>
+            <a:endParaRPr/>
           </a:p>
         </p:txBody>
       </p:sp>
       <p:sp>
         <p:nvSpPr>
           <p:cNvPr id="49" name="Slide Number"/>
-          <p:cNvSpPr/>
+          <p:cNvSpPr>
+            <a:spLocks noGrp="1"/>
+          </p:cNvSpPr>
           <p:nvPr>
             <p:ph type="sldNum" sz="quarter" idx="2"/>
           </p:nvPr>
@@ -1820,8 +1869,10 @@
           <a:bodyPr/>
           <a:lstStyle/>
           <a:p>
-            <a:pPr/>
-            <a:fld id="{86CB4B4D-7CA3-9044-876B-883B54F8677D}" type="slidenum"/>
+            <a:fld id="{86CB4B4D-7CA3-9044-876B-883B54F8677D}" type="slidenum">
+              <a:t>‹#›</a:t>
+            </a:fld>
+            <a:endParaRPr/>
           </a:p>
         </p:txBody>
       </p:sp>
@@ -1830,12 +1881,12 @@
   <p:clrMapOvr>
     <a:masterClrMapping/>
   </p:clrMapOvr>
-  <p:transition xmlns:p14="http://schemas.microsoft.com/office/powerpoint/2010/main" spd="med" advClick="1"/>
+  <p:transition spd="med"/>
 </p:sldLayout>
 </file>
 
 <file path=ppt/slideLayouts/slideLayout5.xml><?xml version="1.0" encoding="utf-8"?>
-<p:sldLayout xmlns:a="http://schemas.openxmlformats.org/drawingml/2006/main" xmlns:r="http://schemas.openxmlformats.org/officeDocument/2006/relationships" xmlns:p="http://schemas.openxmlformats.org/presentationml/2006/main" type="tx" showMasterSp="1" showMasterPhAnim="1">
+<p:sldLayout xmlns:a="http://schemas.openxmlformats.org/drawingml/2006/main" xmlns:r="http://schemas.openxmlformats.org/officeDocument/2006/relationships" xmlns:p="http://schemas.openxmlformats.org/presentationml/2006/main" type="tx">
   <p:cSld name="Comparison">
     <p:spTree>
       <p:nvGrpSpPr>
@@ -1854,7 +1905,9 @@
       <p:sp>
         <p:nvSpPr>
           <p:cNvPr id="56" name="Body Level One…"/>
-          <p:cNvSpPr/>
+          <p:cNvSpPr>
+            <a:spLocks noGrp="1"/>
+          </p:cNvSpPr>
           <p:nvPr>
             <p:ph type="body" sz="half" idx="1"/>
           </p:nvPr>
@@ -1898,7 +1951,6 @@
             </a:lvl5pPr>
           </a:lstStyle>
           <a:p>
-            <a:pPr/>
             <a:r>
               <a:t>Body Level One</a:t>
             </a:r>
@@ -1932,7 +1984,9 @@
       <p:sp>
         <p:nvSpPr>
           <p:cNvPr id="57" name="Title Text"/>
-          <p:cNvSpPr/>
+          <p:cNvSpPr>
+            <a:spLocks noGrp="1"/>
+          </p:cNvSpPr>
           <p:nvPr>
             <p:ph type="title"/>
           </p:nvPr>
@@ -1946,7 +2000,6 @@
           <a:bodyPr/>
           <a:lstStyle/>
           <a:p>
-            <a:pPr/>
             <a:r>
               <a:t>Title Text</a:t>
             </a:r>
@@ -1956,7 +2009,9 @@
       <p:sp>
         <p:nvSpPr>
           <p:cNvPr id="58" name="Text Placeholder 15"/>
-          <p:cNvSpPr/>
+          <p:cNvSpPr>
+            <a:spLocks noGrp="1"/>
+          </p:cNvSpPr>
           <p:nvPr>
             <p:ph type="body" sz="quarter" idx="13"/>
           </p:nvPr>
@@ -1979,13 +2034,16 @@
                 <a:blip r:embed="rId2"/>
               </a:buBlip>
             </a:pPr>
+            <a:endParaRPr/>
           </a:p>
         </p:txBody>
       </p:sp>
       <p:sp>
         <p:nvSpPr>
           <p:cNvPr id="59" name="Slide Number"/>
-          <p:cNvSpPr/>
+          <p:cNvSpPr>
+            <a:spLocks noGrp="1"/>
+          </p:cNvSpPr>
           <p:nvPr>
             <p:ph type="sldNum" sz="quarter" idx="2"/>
           </p:nvPr>
@@ -1999,8 +2057,10 @@
           <a:bodyPr/>
           <a:lstStyle/>
           <a:p>
-            <a:pPr/>
-            <a:fld id="{86CB4B4D-7CA3-9044-876B-883B54F8677D}" type="slidenum"/>
+            <a:fld id="{86CB4B4D-7CA3-9044-876B-883B54F8677D}" type="slidenum">
+              <a:t>‹#›</a:t>
+            </a:fld>
+            <a:endParaRPr/>
           </a:p>
         </p:txBody>
       </p:sp>
@@ -2009,12 +2069,12 @@
   <p:clrMapOvr>
     <a:masterClrMapping/>
   </p:clrMapOvr>
-  <p:transition xmlns:p14="http://schemas.microsoft.com/office/powerpoint/2010/main" spd="med" advClick="1"/>
+  <p:transition spd="med"/>
 </p:sldLayout>
 </file>
 
 <file path=ppt/slideLayouts/slideLayout6.xml><?xml version="1.0" encoding="utf-8"?>
-<p:sldLayout xmlns:a="http://schemas.openxmlformats.org/drawingml/2006/main" xmlns:r="http://schemas.openxmlformats.org/officeDocument/2006/relationships" xmlns:p="http://schemas.openxmlformats.org/presentationml/2006/main" type="tx" showMasterSp="1" showMasterPhAnim="1">
+<p:sldLayout xmlns:a="http://schemas.openxmlformats.org/drawingml/2006/main" xmlns:r="http://schemas.openxmlformats.org/officeDocument/2006/relationships" xmlns:p="http://schemas.openxmlformats.org/presentationml/2006/main" type="tx">
   <p:cSld name="Title Only">
     <p:spTree>
       <p:nvGrpSpPr>
@@ -2033,7 +2093,9 @@
       <p:sp>
         <p:nvSpPr>
           <p:cNvPr id="66" name="Title Text"/>
-          <p:cNvSpPr/>
+          <p:cNvSpPr>
+            <a:spLocks noGrp="1"/>
+          </p:cNvSpPr>
           <p:nvPr>
             <p:ph type="title"/>
           </p:nvPr>
@@ -2047,7 +2109,6 @@
           <a:bodyPr/>
           <a:lstStyle/>
           <a:p>
-            <a:pPr/>
             <a:r>
               <a:t>Title Text</a:t>
             </a:r>
@@ -2057,7 +2118,9 @@
       <p:sp>
         <p:nvSpPr>
           <p:cNvPr id="67" name="Body Level One…"/>
-          <p:cNvSpPr/>
+          <p:cNvSpPr>
+            <a:spLocks noGrp="1"/>
+          </p:cNvSpPr>
           <p:nvPr>
             <p:ph type="body" sz="quarter" idx="1"/>
           </p:nvPr>
@@ -2114,7 +2177,6 @@
             </a:lvl5pPr>
           </a:lstStyle>
           <a:p>
-            <a:pPr/>
             <a:r>
               <a:t>Body Level One</a:t>
             </a:r>
@@ -2148,7 +2210,9 @@
       <p:sp>
         <p:nvSpPr>
           <p:cNvPr id="68" name="Slide Number"/>
-          <p:cNvSpPr/>
+          <p:cNvSpPr>
+            <a:spLocks noGrp="1"/>
+          </p:cNvSpPr>
           <p:nvPr>
             <p:ph type="sldNum" sz="quarter" idx="2"/>
           </p:nvPr>
@@ -2162,8 +2226,10 @@
           <a:bodyPr/>
           <a:lstStyle/>
           <a:p>
-            <a:pPr/>
-            <a:fld id="{86CB4B4D-7CA3-9044-876B-883B54F8677D}" type="slidenum"/>
+            <a:fld id="{86CB4B4D-7CA3-9044-876B-883B54F8677D}" type="slidenum">
+              <a:t>‹#›</a:t>
+            </a:fld>
+            <a:endParaRPr/>
           </a:p>
         </p:txBody>
       </p:sp>
@@ -2172,12 +2238,12 @@
   <p:clrMapOvr>
     <a:masterClrMapping/>
   </p:clrMapOvr>
-  <p:transition xmlns:p14="http://schemas.microsoft.com/office/powerpoint/2010/main" spd="med" advClick="1"/>
+  <p:transition spd="med"/>
 </p:sldLayout>
 </file>
 
 <file path=ppt/slideLayouts/slideLayout7.xml><?xml version="1.0" encoding="utf-8"?>
-<p:sldLayout xmlns:a="http://schemas.openxmlformats.org/drawingml/2006/main" xmlns:r="http://schemas.openxmlformats.org/officeDocument/2006/relationships" xmlns:p="http://schemas.openxmlformats.org/presentationml/2006/main" type="tx" showMasterSp="1" showMasterPhAnim="1">
+<p:sldLayout xmlns:a="http://schemas.openxmlformats.org/drawingml/2006/main" xmlns:r="http://schemas.openxmlformats.org/officeDocument/2006/relationships" xmlns:p="http://schemas.openxmlformats.org/presentationml/2006/main" type="tx">
   <p:cSld name="Blank">
     <p:spTree>
       <p:nvGrpSpPr>
@@ -2196,7 +2262,9 @@
       <p:sp>
         <p:nvSpPr>
           <p:cNvPr id="75" name="Slide Number"/>
-          <p:cNvSpPr/>
+          <p:cNvSpPr>
+            <a:spLocks noGrp="1"/>
+          </p:cNvSpPr>
           <p:nvPr>
             <p:ph type="sldNum" sz="quarter" idx="2"/>
           </p:nvPr>
@@ -2210,8 +2278,10 @@
           <a:bodyPr/>
           <a:lstStyle/>
           <a:p>
-            <a:pPr/>
-            <a:fld id="{86CB4B4D-7CA3-9044-876B-883B54F8677D}" type="slidenum"/>
+            <a:fld id="{86CB4B4D-7CA3-9044-876B-883B54F8677D}" type="slidenum">
+              <a:t>‹#›</a:t>
+            </a:fld>
+            <a:endParaRPr/>
           </a:p>
         </p:txBody>
       </p:sp>
@@ -2220,12 +2290,12 @@
   <p:clrMapOvr>
     <a:masterClrMapping/>
   </p:clrMapOvr>
-  <p:transition xmlns:p14="http://schemas.microsoft.com/office/powerpoint/2010/main" spd="med" advClick="1"/>
+  <p:transition spd="med"/>
 </p:sldLayout>
 </file>
 
 <file path=ppt/slideLayouts/slideLayout8.xml><?xml version="1.0" encoding="utf-8"?>
-<p:sldLayout xmlns:a="http://schemas.openxmlformats.org/drawingml/2006/main" xmlns:r="http://schemas.openxmlformats.org/officeDocument/2006/relationships" xmlns:p="http://schemas.openxmlformats.org/presentationml/2006/main" type="tx" showMasterSp="1" showMasterPhAnim="1">
+<p:sldLayout xmlns:a="http://schemas.openxmlformats.org/drawingml/2006/main" xmlns:r="http://schemas.openxmlformats.org/officeDocument/2006/relationships" xmlns:p="http://schemas.openxmlformats.org/presentationml/2006/main" type="tx">
   <p:cSld name="Content with Caption">
     <p:spTree>
       <p:nvGrpSpPr>
@@ -2244,7 +2314,9 @@
       <p:sp>
         <p:nvSpPr>
           <p:cNvPr id="82" name="Title Text"/>
-          <p:cNvSpPr/>
+          <p:cNvSpPr>
+            <a:spLocks noGrp="1"/>
+          </p:cNvSpPr>
           <p:nvPr>
             <p:ph type="title"/>
           </p:nvPr>
@@ -2282,7 +2354,6 @@
             </a:lvl1pPr>
           </a:lstStyle>
           <a:p>
-            <a:pPr/>
             <a:r>
               <a:t>Title Text</a:t>
             </a:r>
@@ -2292,7 +2363,9 @@
       <p:sp>
         <p:nvSpPr>
           <p:cNvPr id="83" name="Body Level One…"/>
-          <p:cNvSpPr/>
+          <p:cNvSpPr>
+            <a:spLocks noGrp="1"/>
+          </p:cNvSpPr>
           <p:nvPr>
             <p:ph type="body" idx="1"/>
           </p:nvPr>
@@ -2388,7 +2461,6 @@
             </a:lvl5pPr>
           </a:lstStyle>
           <a:p>
-            <a:pPr/>
             <a:r>
               <a:t>Body Level One</a:t>
             </a:r>
@@ -2422,7 +2494,9 @@
       <p:sp>
         <p:nvSpPr>
           <p:cNvPr id="84" name="Text Placeholder 3"/>
-          <p:cNvSpPr/>
+          <p:cNvSpPr>
+            <a:spLocks noGrp="1"/>
+          </p:cNvSpPr>
           <p:nvPr>
             <p:ph type="body" sz="half" idx="13"/>
           </p:nvPr>
@@ -2445,13 +2519,16 @@
                 <a:blip r:embed="rId2"/>
               </a:buBlip>
             </a:pPr>
+            <a:endParaRPr/>
           </a:p>
         </p:txBody>
       </p:sp>
       <p:sp>
         <p:nvSpPr>
           <p:cNvPr id="85" name="Slide Number"/>
-          <p:cNvSpPr/>
+          <p:cNvSpPr>
+            <a:spLocks noGrp="1"/>
+          </p:cNvSpPr>
           <p:nvPr>
             <p:ph type="sldNum" sz="quarter" idx="2"/>
           </p:nvPr>
@@ -2473,8 +2550,10 @@
             </a:lvl1pPr>
           </a:lstStyle>
           <a:p>
-            <a:pPr/>
-            <a:fld id="{86CB4B4D-7CA3-9044-876B-883B54F8677D}" type="slidenum"/>
+            <a:fld id="{86CB4B4D-7CA3-9044-876B-883B54F8677D}" type="slidenum">
+              <a:t>‹#›</a:t>
+            </a:fld>
+            <a:endParaRPr/>
           </a:p>
         </p:txBody>
       </p:sp>
@@ -2483,12 +2562,12 @@
   <p:clrMapOvr>
     <a:masterClrMapping/>
   </p:clrMapOvr>
-  <p:transition xmlns:p14="http://schemas.microsoft.com/office/powerpoint/2010/main" spd="med" advClick="1"/>
+  <p:transition spd="med"/>
 </p:sldLayout>
 </file>
 
 <file path=ppt/slideLayouts/slideLayout9.xml><?xml version="1.0" encoding="utf-8"?>
-<p:sldLayout xmlns:a="http://schemas.openxmlformats.org/drawingml/2006/main" xmlns:r="http://schemas.openxmlformats.org/officeDocument/2006/relationships" xmlns:p="http://schemas.openxmlformats.org/presentationml/2006/main" type="tx" showMasterSp="1" showMasterPhAnim="1">
+<p:sldLayout xmlns:a="http://schemas.openxmlformats.org/drawingml/2006/main" xmlns:r="http://schemas.openxmlformats.org/officeDocument/2006/relationships" xmlns:p="http://schemas.openxmlformats.org/presentationml/2006/main" type="tx">
   <p:cSld name="Picture with Caption">
     <p:spTree>
       <p:nvGrpSpPr>
@@ -2507,7 +2586,9 @@
       <p:sp>
         <p:nvSpPr>
           <p:cNvPr id="92" name="Picture Placeholder 2"/>
-          <p:cNvSpPr/>
+          <p:cNvSpPr>
+            <a:spLocks noGrp="1"/>
+          </p:cNvSpPr>
           <p:nvPr>
             <p:ph type="pic" sz="half" idx="13"/>
           </p:nvPr>
@@ -2527,14 +2608,16 @@
           </a:bodyPr>
           <a:lstStyle/>
           <a:p>
-            <a:pPr/>
+            <a:endParaRPr/>
           </a:p>
         </p:txBody>
       </p:sp>
       <p:sp>
         <p:nvSpPr>
           <p:cNvPr id="93" name="Title Text"/>
-          <p:cNvSpPr/>
+          <p:cNvSpPr>
+            <a:spLocks noGrp="1"/>
+          </p:cNvSpPr>
           <p:nvPr>
             <p:ph type="title"/>
           </p:nvPr>
@@ -2552,7 +2635,6 @@
           <a:bodyPr/>
           <a:lstStyle/>
           <a:p>
-            <a:pPr/>
             <a:r>
               <a:t>Title Text</a:t>
             </a:r>
@@ -2562,7 +2644,9 @@
       <p:sp>
         <p:nvSpPr>
           <p:cNvPr id="94" name="Body Level One…"/>
-          <p:cNvSpPr/>
+          <p:cNvSpPr>
+            <a:spLocks noGrp="1"/>
+          </p:cNvSpPr>
           <p:nvPr>
             <p:ph type="body" sz="quarter" idx="1"/>
           </p:nvPr>
@@ -2619,7 +2703,6 @@
             </a:lvl5pPr>
           </a:lstStyle>
           <a:p>
-            <a:pPr/>
             <a:r>
               <a:t>Body Level One</a:t>
             </a:r>
@@ -2653,7 +2736,9 @@
       <p:sp>
         <p:nvSpPr>
           <p:cNvPr id="95" name="Slide Number"/>
-          <p:cNvSpPr/>
+          <p:cNvSpPr>
+            <a:spLocks noGrp="1"/>
+          </p:cNvSpPr>
           <p:nvPr>
             <p:ph type="sldNum" sz="quarter" idx="2"/>
           </p:nvPr>
@@ -2667,8 +2752,10 @@
           <a:bodyPr/>
           <a:lstStyle/>
           <a:p>
-            <a:pPr/>
-            <a:fld id="{86CB4B4D-7CA3-9044-876B-883B54F8677D}" type="slidenum"/>
+            <a:fld id="{86CB4B4D-7CA3-9044-876B-883B54F8677D}" type="slidenum">
+              <a:t>‹#›</a:t>
+            </a:fld>
+            <a:endParaRPr/>
           </a:p>
         </p:txBody>
       </p:sp>
@@ -2677,7 +2764,7 @@
   <p:clrMapOvr>
     <a:masterClrMapping/>
   </p:clrMapOvr>
-  <p:transition xmlns:p14="http://schemas.microsoft.com/office/powerpoint/2010/main" spd="med" advClick="1"/>
+  <p:transition spd="med"/>
 </p:sldLayout>
 </file>
 
@@ -2687,12 +2774,13 @@
     <p:bg>
       <p:bgPr>
         <a:blipFill rotWithShape="1">
-          <a:blip r:embed="rId2"/>
-          <a:srcRect l="0" t="0" r="0" b="0"/>
+          <a:blip r:embed="rId13"/>
+          <a:srcRect/>
           <a:stretch>
             <a:fillRect/>
           </a:stretch>
         </a:blipFill>
+        <a:effectLst/>
       </p:bgPr>
     </p:bg>
     <p:spTree>
@@ -2718,7 +2806,7 @@
           <p:nvPr/>
         </p:nvPicPr>
         <p:blipFill>
-          <a:blip r:embed="rId3">
+          <a:blip r:embed="rId14">
             <a:extLst/>
           </a:blip>
           <a:stretch>
@@ -2757,7 +2845,7 @@
           </a:ln>
           <a:extLst>
             <a:ext uri="{C572A759-6A51-4108-AA02-DFA0A04FC94B}">
-              <ma14:wrappingTextBoxFlag xmlns:ma14="http://schemas.microsoft.com/office/mac/drawingml/2011/main" val="1"/>
+              <ma14:wrappingTextBoxFlag xmlns:ma14="http://schemas.microsoft.com/office/mac/drawingml/2011/main" xmlns="" val="1"/>
             </a:ext>
           </a:extLst>
         </p:spPr>
@@ -2767,7 +2855,7 @@
           </a:bodyPr>
           <a:lstStyle>
             <a:lvl1pPr>
-              <a:defRPr b="1" i="1" sz="800">
+              <a:defRPr sz="800" b="1" i="1">
                 <a:solidFill>
                   <a:srgbClr val="003C9E"/>
                 </a:solidFill>
@@ -2779,7 +2867,6 @@
             </a:lvl1pPr>
           </a:lstStyle>
           <a:p>
-            <a:pPr/>
             <a:r>
               <a:t>Learning with Purpose</a:t>
             </a:r>
@@ -2789,7 +2876,9 @@
       <p:sp>
         <p:nvSpPr>
           <p:cNvPr id="4" name="Body Level One…"/>
-          <p:cNvSpPr/>
+          <p:cNvSpPr>
+            <a:spLocks noGrp="1"/>
+          </p:cNvSpPr>
           <p:nvPr>
             <p:ph type="body" idx="1"/>
           </p:nvPr>
@@ -2807,23 +2896,22 @@
           </a:ln>
           <a:extLst>
             <a:ext uri="{C572A759-6A51-4108-AA02-DFA0A04FC94B}">
-              <ma14:wrappingTextBoxFlag xmlns:ma14="http://schemas.microsoft.com/office/mac/drawingml/2011/main" val="1"/>
+              <ma14:wrappingTextBoxFlag xmlns:ma14="http://schemas.microsoft.com/office/mac/drawingml/2011/main" xmlns="" val="1"/>
             </a:ext>
           </a:extLst>
         </p:spPr>
         <p:txBody>
           <a:bodyPr lIns="45718" tIns="45718" rIns="45718" bIns="45718">
-            <a:normAutofit fontScale="100000" lnSpcReduction="0"/>
+            <a:normAutofit/>
           </a:bodyPr>
           <a:lstStyle>
             <a:lvl1pPr>
               <a:buBlip>
-                <a:blip r:embed="rId4"/>
+                <a:blip r:embed="rId15"/>
               </a:buBlip>
             </a:lvl1pPr>
           </a:lstStyle>
           <a:p>
-            <a:pPr/>
             <a:r>
               <a:t>Body Level One</a:t>
             </a:r>
@@ -2857,7 +2945,9 @@
       <p:sp>
         <p:nvSpPr>
           <p:cNvPr id="5" name="Title Text"/>
-          <p:cNvSpPr/>
+          <p:cNvSpPr>
+            <a:spLocks noGrp="1"/>
+          </p:cNvSpPr>
           <p:nvPr>
             <p:ph type="title"/>
           </p:nvPr>
@@ -2887,7 +2977,7 @@
             <a:miter lim="400000"/>
           </a:ln>
           <a:effectLst>
-            <a:outerShdw sx="100000" sy="100000" kx="0" ky="0" algn="b" rotWithShape="0" blurRad="127000" dist="38100" dir="5400000">
+            <a:outerShdw blurRad="127000" dist="38100" dir="5400000" rotWithShape="0">
               <a:srgbClr val="000000">
                 <a:alpha val="40000"/>
               </a:srgbClr>
@@ -2895,17 +2985,16 @@
           </a:effectLst>
           <a:extLst>
             <a:ext uri="{C572A759-6A51-4108-AA02-DFA0A04FC94B}">
-              <ma14:wrappingTextBoxFlag xmlns:ma14="http://schemas.microsoft.com/office/mac/drawingml/2011/main" val="1"/>
+              <ma14:wrappingTextBoxFlag xmlns:ma14="http://schemas.microsoft.com/office/mac/drawingml/2011/main" xmlns="" val="1"/>
             </a:ext>
           </a:extLst>
         </p:spPr>
         <p:txBody>
           <a:bodyPr lIns="45718" tIns="45718" rIns="45718" bIns="45718" anchor="ctr">
-            <a:normAutofit fontScale="100000" lnSpcReduction="0"/>
+            <a:normAutofit/>
           </a:bodyPr>
           <a:lstStyle/>
           <a:p>
-            <a:pPr/>
             <a:r>
               <a:t>Title Text</a:t>
             </a:r>
@@ -2915,7 +3004,9 @@
       <p:sp>
         <p:nvSpPr>
           <p:cNvPr id="6" name="Slide Number"/>
-          <p:cNvSpPr/>
+          <p:cNvSpPr>
+            <a:spLocks noGrp="1"/>
+          </p:cNvSpPr>
           <p:nvPr>
             <p:ph type="sldNum" sz="quarter" idx="2"/>
           </p:nvPr>
@@ -2942,8 +3033,10 @@
             </a:lvl1pPr>
           </a:lstStyle>
           <a:p>
-            <a:pPr/>
-            <a:fld id="{86CB4B4D-7CA3-9044-876B-883B54F8677D}" type="slidenum"/>
+            <a:fld id="{86CB4B4D-7CA3-9044-876B-883B54F8677D}" type="slidenum">
+              <a:t>‹#›</a:t>
+            </a:fld>
+            <a:endParaRPr/>
           </a:p>
         </p:txBody>
       </p:sp>
@@ -2951,19 +3044,19 @@
   </p:cSld>
   <p:clrMap bg1="lt1" tx1="dk1" bg2="lt2" tx2="dk2" accent1="accent1" accent2="accent2" accent3="accent3" accent4="accent4" accent5="accent5" accent6="accent6" hlink="hlink" folHlink="folHlink"/>
   <p:sldLayoutIdLst>
-    <p:sldLayoutId id="2147483649" r:id="rId5"/>
-    <p:sldLayoutId id="2147483650" r:id="rId6"/>
-    <p:sldLayoutId id="2147483651" r:id="rId7"/>
-    <p:sldLayoutId id="2147483652" r:id="rId8"/>
-    <p:sldLayoutId id="2147483653" r:id="rId9"/>
-    <p:sldLayoutId id="2147483654" r:id="rId10"/>
-    <p:sldLayoutId id="2147483655" r:id="rId11"/>
-    <p:sldLayoutId id="2147483656" r:id="rId12"/>
-    <p:sldLayoutId id="2147483657" r:id="rId13"/>
-    <p:sldLayoutId id="2147483658" r:id="rId14"/>
-    <p:sldLayoutId id="2147483659" r:id="rId15"/>
+    <p:sldLayoutId id="2147483649" r:id="rId1"/>
+    <p:sldLayoutId id="2147483650" r:id="rId2"/>
+    <p:sldLayoutId id="2147483651" r:id="rId3"/>
+    <p:sldLayoutId id="2147483652" r:id="rId4"/>
+    <p:sldLayoutId id="2147483653" r:id="rId5"/>
+    <p:sldLayoutId id="2147483654" r:id="rId6"/>
+    <p:sldLayoutId id="2147483655" r:id="rId7"/>
+    <p:sldLayoutId id="2147483656" r:id="rId8"/>
+    <p:sldLayoutId id="2147483657" r:id="rId9"/>
+    <p:sldLayoutId id="2147483658" r:id="rId10"/>
+    <p:sldLayoutId id="2147483659" r:id="rId11"/>
   </p:sldLayoutIdLst>
-  <p:transition xmlns:p14="http://schemas.microsoft.com/office/powerpoint/2010/main" spd="med" advClick="1"/>
+  <p:transition spd="med"/>
   <p:txStyles>
     <p:titleStyle>
       <a:lvl1pPr marL="0" marR="0" indent="-342860" algn="ctr" defTabSz="914293" rtl="0" latinLnBrk="0">
@@ -2981,7 +3074,7 @@
         <a:buFont typeface="Arial"/>
         <a:buChar char="•"/>
         <a:tabLst/>
-        <a:defRPr b="1" baseline="0" cap="none" i="0" spc="0" strike="noStrike" sz="3000" u="none">
+        <a:defRPr sz="3000" b="1" i="0" u="none" strike="noStrike" cap="none" spc="0" baseline="0">
           <a:ln>
             <a:noFill/>
           </a:ln>
@@ -3010,7 +3103,7 @@
         <a:buFont typeface="Arial"/>
         <a:buNone/>
         <a:tabLst/>
-        <a:defRPr b="1" baseline="0" cap="none" i="0" spc="0" strike="noStrike" sz="3000" u="none">
+        <a:defRPr sz="3000" b="1" i="0" u="none" strike="noStrike" cap="none" spc="0" baseline="0">
           <a:ln>
             <a:noFill/>
           </a:ln>
@@ -3039,7 +3132,7 @@
         <a:buFont typeface="Arial"/>
         <a:buNone/>
         <a:tabLst/>
-        <a:defRPr b="1" baseline="0" cap="none" i="0" spc="0" strike="noStrike" sz="3000" u="none">
+        <a:defRPr sz="3000" b="1" i="0" u="none" strike="noStrike" cap="none" spc="0" baseline="0">
           <a:ln>
             <a:noFill/>
           </a:ln>
@@ -3068,7 +3161,7 @@
         <a:buFont typeface="Arial"/>
         <a:buNone/>
         <a:tabLst/>
-        <a:defRPr b="1" baseline="0" cap="none" i="0" spc="0" strike="noStrike" sz="3000" u="none">
+        <a:defRPr sz="3000" b="1" i="0" u="none" strike="noStrike" cap="none" spc="0" baseline="0">
           <a:ln>
             <a:noFill/>
           </a:ln>
@@ -3097,7 +3190,7 @@
         <a:buFont typeface="Arial"/>
         <a:buNone/>
         <a:tabLst/>
-        <a:defRPr b="1" baseline="0" cap="none" i="0" spc="0" strike="noStrike" sz="3000" u="none">
+        <a:defRPr sz="3000" b="1" i="0" u="none" strike="noStrike" cap="none" spc="0" baseline="0">
           <a:ln>
             <a:noFill/>
           </a:ln>
@@ -3126,7 +3219,7 @@
         <a:buFont typeface="Arial"/>
         <a:buNone/>
         <a:tabLst/>
-        <a:defRPr b="1" baseline="0" cap="none" i="0" spc="0" strike="noStrike" sz="3000" u="none">
+        <a:defRPr sz="3000" b="1" i="0" u="none" strike="noStrike" cap="none" spc="0" baseline="0">
           <a:ln>
             <a:noFill/>
           </a:ln>
@@ -3155,7 +3248,7 @@
         <a:buFont typeface="Arial"/>
         <a:buNone/>
         <a:tabLst/>
-        <a:defRPr b="1" baseline="0" cap="none" i="0" spc="0" strike="noStrike" sz="3000" u="none">
+        <a:defRPr sz="3000" b="1" i="0" u="none" strike="noStrike" cap="none" spc="0" baseline="0">
           <a:ln>
             <a:noFill/>
           </a:ln>
@@ -3184,7 +3277,7 @@
         <a:buFont typeface="Arial"/>
         <a:buNone/>
         <a:tabLst/>
-        <a:defRPr b="1" baseline="0" cap="none" i="0" spc="0" strike="noStrike" sz="3000" u="none">
+        <a:defRPr sz="3000" b="1" i="0" u="none" strike="noStrike" cap="none" spc="0" baseline="0">
           <a:ln>
             <a:noFill/>
           </a:ln>
@@ -3213,7 +3306,7 @@
         <a:buFont typeface="Arial"/>
         <a:buNone/>
         <a:tabLst/>
-        <a:defRPr b="1" baseline="0" cap="none" i="0" spc="0" strike="noStrike" sz="3000" u="none">
+        <a:defRPr sz="3000" b="1" i="0" u="none" strike="noStrike" cap="none" spc="0" baseline="0">
           <a:ln>
             <a:noFill/>
           </a:ln>
@@ -3243,10 +3336,10 @@
         <a:buSzPct val="100000"/>
         <a:buFontTx/>
         <a:buBlip>
-          <a:blip r:embed="rId4"/>
+          <a:blip r:embed="rId15"/>
         </a:buBlip>
         <a:tabLst/>
-        <a:defRPr b="0" baseline="0" cap="none" i="0" spc="0" strike="noStrike" sz="2500" u="none">
+        <a:defRPr sz="2500" b="0" i="0" u="none" strike="noStrike" cap="none" spc="0" baseline="0">
           <a:ln>
             <a:noFill/>
           </a:ln>
@@ -3275,7 +3368,7 @@
         <a:buFontTx/>
         <a:buChar char="•"/>
         <a:tabLst/>
-        <a:defRPr b="0" baseline="0" cap="none" i="0" spc="0" strike="noStrike" sz="2500" u="none">
+        <a:defRPr sz="2500" b="0" i="0" u="none" strike="noStrike" cap="none" spc="0" baseline="0">
           <a:ln>
             <a:noFill/>
           </a:ln>
@@ -3304,7 +3397,7 @@
         <a:buFontTx/>
         <a:buChar char="•"/>
         <a:tabLst/>
-        <a:defRPr b="0" baseline="0" cap="none" i="0" spc="0" strike="noStrike" sz="2500" u="none">
+        <a:defRPr sz="2500" b="0" i="0" u="none" strike="noStrike" cap="none" spc="0" baseline="0">
           <a:ln>
             <a:noFill/>
           </a:ln>
@@ -3333,7 +3426,7 @@
         <a:buFontTx/>
         <a:buChar char="–"/>
         <a:tabLst/>
-        <a:defRPr b="0" baseline="0" cap="none" i="0" spc="0" strike="noStrike" sz="2500" u="none">
+        <a:defRPr sz="2500" b="0" i="0" u="none" strike="noStrike" cap="none" spc="0" baseline="0">
           <a:ln>
             <a:noFill/>
           </a:ln>
@@ -3362,7 +3455,7 @@
         <a:buFontTx/>
         <a:buChar char="»"/>
         <a:tabLst/>
-        <a:defRPr b="0" baseline="0" cap="none" i="0" spc="0" strike="noStrike" sz="2500" u="none">
+        <a:defRPr sz="2500" b="0" i="0" u="none" strike="noStrike" cap="none" spc="0" baseline="0">
           <a:ln>
             <a:noFill/>
           </a:ln>
@@ -3391,7 +3484,7 @@
         <a:buFontTx/>
         <a:buChar char="•"/>
         <a:tabLst/>
-        <a:defRPr b="0" baseline="0" cap="none" i="0" spc="0" strike="noStrike" sz="2500" u="none">
+        <a:defRPr sz="2500" b="0" i="0" u="none" strike="noStrike" cap="none" spc="0" baseline="0">
           <a:ln>
             <a:noFill/>
           </a:ln>
@@ -3420,7 +3513,7 @@
         <a:buFontTx/>
         <a:buChar char="•"/>
         <a:tabLst/>
-        <a:defRPr b="0" baseline="0" cap="none" i="0" spc="0" strike="noStrike" sz="2500" u="none">
+        <a:defRPr sz="2500" b="0" i="0" u="none" strike="noStrike" cap="none" spc="0" baseline="0">
           <a:ln>
             <a:noFill/>
           </a:ln>
@@ -3449,7 +3542,7 @@
         <a:buFontTx/>
         <a:buChar char="•"/>
         <a:tabLst/>
-        <a:defRPr b="0" baseline="0" cap="none" i="0" spc="0" strike="noStrike" sz="2500" u="none">
+        <a:defRPr sz="2500" b="0" i="0" u="none" strike="noStrike" cap="none" spc="0" baseline="0">
           <a:ln>
             <a:noFill/>
           </a:ln>
@@ -3478,7 +3571,7 @@
         <a:buFontTx/>
         <a:buChar char="•"/>
         <a:tabLst/>
-        <a:defRPr b="0" baseline="0" cap="none" i="0" spc="0" strike="noStrike" sz="2500" u="none">
+        <a:defRPr sz="2500" b="0" i="0" u="none" strike="noStrike" cap="none" spc="0" baseline="0">
           <a:ln>
             <a:noFill/>
           </a:ln>
@@ -3509,7 +3602,7 @@
         <a:buFontTx/>
         <a:buNone/>
         <a:tabLst/>
-        <a:defRPr b="0" baseline="0" cap="none" i="0" spc="0" strike="noStrike" sz="1200" u="none">
+        <a:defRPr sz="1200" b="0" i="0" u="none" strike="noStrike" cap="none" spc="0" baseline="0">
           <a:ln>
             <a:noFill/>
           </a:ln>
@@ -3538,7 +3631,7 @@
         <a:buFontTx/>
         <a:buNone/>
         <a:tabLst/>
-        <a:defRPr b="0" baseline="0" cap="none" i="0" spc="0" strike="noStrike" sz="1200" u="none">
+        <a:defRPr sz="1200" b="0" i="0" u="none" strike="noStrike" cap="none" spc="0" baseline="0">
           <a:ln>
             <a:noFill/>
           </a:ln>
@@ -3567,7 +3660,7 @@
         <a:buFontTx/>
         <a:buNone/>
         <a:tabLst/>
-        <a:defRPr b="0" baseline="0" cap="none" i="0" spc="0" strike="noStrike" sz="1200" u="none">
+        <a:defRPr sz="1200" b="0" i="0" u="none" strike="noStrike" cap="none" spc="0" baseline="0">
           <a:ln>
             <a:noFill/>
           </a:ln>
@@ -3596,7 +3689,7 @@
         <a:buFontTx/>
         <a:buNone/>
         <a:tabLst/>
-        <a:defRPr b="0" baseline="0" cap="none" i="0" spc="0" strike="noStrike" sz="1200" u="none">
+        <a:defRPr sz="1200" b="0" i="0" u="none" strike="noStrike" cap="none" spc="0" baseline="0">
           <a:ln>
             <a:noFill/>
           </a:ln>
@@ -3625,7 +3718,7 @@
         <a:buFontTx/>
         <a:buNone/>
         <a:tabLst/>
-        <a:defRPr b="0" baseline="0" cap="none" i="0" spc="0" strike="noStrike" sz="1200" u="none">
+        <a:defRPr sz="1200" b="0" i="0" u="none" strike="noStrike" cap="none" spc="0" baseline="0">
           <a:ln>
             <a:noFill/>
           </a:ln>
@@ -3654,7 +3747,7 @@
         <a:buFontTx/>
         <a:buNone/>
         <a:tabLst/>
-        <a:defRPr b="0" baseline="0" cap="none" i="0" spc="0" strike="noStrike" sz="1200" u="none">
+        <a:defRPr sz="1200" b="0" i="0" u="none" strike="noStrike" cap="none" spc="0" baseline="0">
           <a:ln>
             <a:noFill/>
           </a:ln>
@@ -3683,7 +3776,7 @@
         <a:buFontTx/>
         <a:buNone/>
         <a:tabLst/>
-        <a:defRPr b="0" baseline="0" cap="none" i="0" spc="0" strike="noStrike" sz="1200" u="none">
+        <a:defRPr sz="1200" b="0" i="0" u="none" strike="noStrike" cap="none" spc="0" baseline="0">
           <a:ln>
             <a:noFill/>
           </a:ln>
@@ -3712,7 +3805,7 @@
         <a:buFontTx/>
         <a:buNone/>
         <a:tabLst/>
-        <a:defRPr b="0" baseline="0" cap="none" i="0" spc="0" strike="noStrike" sz="1200" u="none">
+        <a:defRPr sz="1200" b="0" i="0" u="none" strike="noStrike" cap="none" spc="0" baseline="0">
           <a:ln>
             <a:noFill/>
           </a:ln>
@@ -3741,7 +3834,7 @@
         <a:buFontTx/>
         <a:buNone/>
         <a:tabLst/>
-        <a:defRPr b="0" baseline="0" cap="none" i="0" spc="0" strike="noStrike" sz="1200" u="none">
+        <a:defRPr sz="1200" b="0" i="0" u="none" strike="noStrike" cap="none" spc="0" baseline="0">
           <a:ln>
             <a:noFill/>
           </a:ln>
@@ -3761,7 +3854,7 @@
 </file>
 
 <file path=ppt/slides/slide1.xml><?xml version="1.0" encoding="utf-8"?>
-<p:sld xmlns:a="http://schemas.openxmlformats.org/drawingml/2006/main" xmlns:r="http://schemas.openxmlformats.org/officeDocument/2006/relationships" xmlns:p="http://schemas.openxmlformats.org/presentationml/2006/main" showMasterSp="1" showMasterPhAnim="1">
+<p:sld xmlns:a="http://schemas.openxmlformats.org/drawingml/2006/main" xmlns:r="http://schemas.openxmlformats.org/officeDocument/2006/relationships" xmlns:p="http://schemas.openxmlformats.org/presentationml/2006/main">
   <p:cSld>
     <p:spTree>
       <p:nvGrpSpPr>
@@ -3779,46 +3872,10 @@
       </p:grpSpPr>
       <p:sp>
         <p:nvSpPr>
-          <p:cNvPr id="122" name="Title 5"/>
-          <p:cNvSpPr/>
-          <p:nvPr>
-            <p:ph type="ctrTitle"/>
-          </p:nvPr>
-        </p:nvSpPr>
-        <p:spPr>
-          <a:xfrm>
-            <a:off x="1219200" y="1323831"/>
-            <a:ext cx="6553200" cy="545914"/>
-          </a:xfrm>
-          <a:prstGeom prst="rect">
-            <a:avLst/>
-          </a:prstGeom>
-        </p:spPr>
-        <p:txBody>
-          <a:bodyPr/>
-          <a:lstStyle/>
-          <a:p>
-            <a:pPr defTabSz="420573">
-              <a:defRPr sz="1200"/>
-            </a:pPr>
-            <a:r>
-              <a:t>CampusNet</a:t>
-            </a:r>
-            <a:br/>
-            <a:r>
-              <a:rPr b="0" sz="800"/>
-              <a:t>Connect in real time with your course friends</a:t>
-            </a:r>
-            <a:br>
-              <a:rPr b="0" sz="800"/>
-            </a:br>
-          </a:p>
-        </p:txBody>
-      </p:sp>
-      <p:sp>
-        <p:nvSpPr>
           <p:cNvPr id="123" name="Subtitle 6"/>
-          <p:cNvSpPr/>
+          <p:cNvSpPr>
+            <a:spLocks noGrp="1"/>
+          </p:cNvSpPr>
           <p:nvPr>
             <p:ph type="subTitle" sz="half" idx="1"/>
           </p:nvPr>
@@ -3833,13 +3890,16 @@
           </a:prstGeom>
         </p:spPr>
         <p:txBody>
-          <a:bodyPr/>
+          <a:bodyPr>
+            <a:normAutofit/>
+          </a:bodyPr>
           <a:lstStyle/>
           <a:p>
             <a:pPr algn="l">
               <a:defRPr sz="2000"/>
             </a:pPr>
             <a:r>
+              <a:rPr sz="1400" dirty="0"/>
               <a:t>Team Members:</a:t>
             </a:r>
           </a:p>
@@ -3848,14 +3908,21 @@
               <a:defRPr sz="2000"/>
             </a:pPr>
             <a:r>
-              <a:t>	Rohan Girase</a:t>
-            </a:r>
+              <a:rPr sz="1400" dirty="0"/>
+              <a:t>	Rohan </a:t>
+            </a:r>
+            <a:r>
+              <a:rPr sz="1400" dirty="0" err="1"/>
+              <a:t>Girase</a:t>
+            </a:r>
+            <a:endParaRPr sz="1400" dirty="0"/>
           </a:p>
           <a:p>
             <a:pPr algn="l">
               <a:defRPr sz="2000"/>
             </a:pPr>
             <a:r>
+              <a:rPr sz="1400" dirty="0"/>
               <a:t>	Ramanand Shankarling</a:t>
             </a:r>
           </a:p>
@@ -3864,6 +3931,7 @@
               <a:defRPr sz="2000"/>
             </a:pPr>
             <a:r>
+              <a:rPr sz="1400" dirty="0"/>
               <a:t>	Rakesh Musalay</a:t>
             </a:r>
           </a:p>
@@ -3872,6 +3940,7 @@
               <a:defRPr sz="2000"/>
             </a:pPr>
             <a:r>
+              <a:rPr sz="1400" dirty="0"/>
               <a:t>	Naveen Ravi</a:t>
             </a:r>
           </a:p>
@@ -3880,15 +3949,345 @@
               <a:defRPr sz="2000"/>
             </a:pPr>
             <a:r>
-              <a:t>	Omkar Salunke</a:t>
-            </a:r>
+              <a:rPr sz="1400" dirty="0"/>
+              <a:t>	Omkar </a:t>
+            </a:r>
+            <a:r>
+              <a:rPr sz="1400" dirty="0" err="1"/>
+              <a:t>Salunke</a:t>
+            </a:r>
+            <a:endParaRPr sz="1400" dirty="0"/>
           </a:p>
           <a:p>
             <a:pPr algn="l">
               <a:defRPr sz="2000"/>
             </a:pPr>
             <a:r>
-              <a:t>	Tarun Moorjani</a:t>
+              <a:rPr sz="1400" dirty="0"/>
+              <a:t>	</a:t>
+            </a:r>
+            <a:r>
+              <a:rPr sz="1400" dirty="0" err="1"/>
+              <a:t>Tarun</a:t>
+            </a:r>
+            <a:r>
+              <a:rPr sz="1400" dirty="0"/>
+              <a:t> </a:t>
+            </a:r>
+            <a:r>
+              <a:rPr sz="1400" dirty="0" err="1"/>
+              <a:t>Moorjani</a:t>
+            </a:r>
+            <a:endParaRPr sz="1400" dirty="0"/>
+          </a:p>
+        </p:txBody>
+      </p:sp>
+      <p:sp>
+        <p:nvSpPr>
+          <p:cNvPr id="4" name="Title 5">
+            <a:extLst>
+              <a:ext uri="{FF2B5EF4-FFF2-40B4-BE49-F238E27FC236}">
+                <a16:creationId xmlns:a16="http://schemas.microsoft.com/office/drawing/2014/main" id="{AFE48972-96A6-45ED-A183-ED08BC9C6F4F}"/>
+              </a:ext>
+            </a:extLst>
+          </p:cNvPr>
+          <p:cNvSpPr>
+            <a:spLocks noGrp="1"/>
+          </p:cNvSpPr>
+          <p:nvPr>
+            <p:ph type="ctrTitle"/>
+          </p:nvPr>
+        </p:nvSpPr>
+        <p:spPr>
+          <a:xfrm>
+            <a:off x="1371600" y="997404"/>
+            <a:ext cx="6413241" cy="607462"/>
+          </a:xfrm>
+          <a:prstGeom prst="rect">
+            <a:avLst/>
+          </a:prstGeom>
+          <a:noFill/>
+          <a:ln w="12700">
+            <a:miter lim="400000"/>
+          </a:ln>
+          <a:effectLst/>
+          <a:extLst>
+            <a:ext uri="{C572A759-6A51-4108-AA02-DFA0A04FC94B}">
+              <ma14:wrappingTextBoxFlag xmlns="" xmlns:ma14="http://schemas.microsoft.com/office/mac/drawingml/2011/main" xmlns:lc="http://schemas.openxmlformats.org/drawingml/2006/lockedCanvas" val="1"/>
+            </a:ext>
+          </a:extLst>
+        </p:spPr>
+        <p:txBody>
+          <a:bodyPr lIns="45719" rIns="45719" anchor="b">
+            <a:normAutofit/>
+          </a:bodyPr>
+          <a:lstStyle>
+            <a:lvl1pPr marL="0" marR="0" indent="0" algn="ctr" defTabSz="914293" rtl="0" latinLnBrk="0">
+              <a:lnSpc>
+                <a:spcPct val="100000"/>
+              </a:lnSpc>
+              <a:spcBef>
+                <a:spcPts val="0"/>
+              </a:spcBef>
+              <a:spcAft>
+                <a:spcPts val="0"/>
+              </a:spcAft>
+              <a:buClrTx/>
+              <a:buSzTx/>
+              <a:buFontTx/>
+              <a:buNone/>
+              <a:tabLst/>
+              <a:defRPr sz="3000" b="1" i="0" u="none" strike="noStrike" cap="none" spc="0" baseline="0">
+                <a:ln>
+                  <a:noFill/>
+                </a:ln>
+                <a:solidFill>
+                  <a:srgbClr val="003C9E"/>
+                </a:solidFill>
+                <a:uFillTx/>
+                <a:latin typeface="Verdana"/>
+                <a:ea typeface="Verdana"/>
+                <a:cs typeface="Verdana"/>
+                <a:sym typeface="Verdana"/>
+              </a:defRPr>
+            </a:lvl1pPr>
+            <a:lvl2pPr marL="0" marR="0" indent="0" algn="ctr" defTabSz="914293" rtl="0" latinLnBrk="0">
+              <a:lnSpc>
+                <a:spcPct val="100000"/>
+              </a:lnSpc>
+              <a:spcBef>
+                <a:spcPts val="700"/>
+              </a:spcBef>
+              <a:spcAft>
+                <a:spcPts val="0"/>
+              </a:spcAft>
+              <a:buClrTx/>
+              <a:buSzTx/>
+              <a:buFont typeface="Arial"/>
+              <a:buNone/>
+              <a:tabLst/>
+              <a:defRPr sz="3000" b="1" i="0" u="none" strike="noStrike" cap="none" spc="0" baseline="0">
+                <a:ln>
+                  <a:noFill/>
+                </a:ln>
+                <a:solidFill>
+                  <a:srgbClr val="003C9E"/>
+                </a:solidFill>
+                <a:uFillTx/>
+                <a:latin typeface="Verdana"/>
+                <a:ea typeface="Verdana"/>
+                <a:cs typeface="Verdana"/>
+                <a:sym typeface="Verdana"/>
+              </a:defRPr>
+            </a:lvl2pPr>
+            <a:lvl3pPr marL="0" marR="0" indent="0" algn="ctr" defTabSz="914293" rtl="0" latinLnBrk="0">
+              <a:lnSpc>
+                <a:spcPct val="100000"/>
+              </a:lnSpc>
+              <a:spcBef>
+                <a:spcPts val="700"/>
+              </a:spcBef>
+              <a:spcAft>
+                <a:spcPts val="0"/>
+              </a:spcAft>
+              <a:buClrTx/>
+              <a:buSzTx/>
+              <a:buFont typeface="Arial"/>
+              <a:buNone/>
+              <a:tabLst/>
+              <a:defRPr sz="3000" b="1" i="0" u="none" strike="noStrike" cap="none" spc="0" baseline="0">
+                <a:ln>
+                  <a:noFill/>
+                </a:ln>
+                <a:solidFill>
+                  <a:srgbClr val="003C9E"/>
+                </a:solidFill>
+                <a:uFillTx/>
+                <a:latin typeface="Verdana"/>
+                <a:ea typeface="Verdana"/>
+                <a:cs typeface="Verdana"/>
+                <a:sym typeface="Verdana"/>
+              </a:defRPr>
+            </a:lvl3pPr>
+            <a:lvl4pPr marL="0" marR="0" indent="0" algn="ctr" defTabSz="914293" rtl="0" latinLnBrk="0">
+              <a:lnSpc>
+                <a:spcPct val="100000"/>
+              </a:lnSpc>
+              <a:spcBef>
+                <a:spcPts val="700"/>
+              </a:spcBef>
+              <a:spcAft>
+                <a:spcPts val="0"/>
+              </a:spcAft>
+              <a:buClrTx/>
+              <a:buSzTx/>
+              <a:buFont typeface="Arial"/>
+              <a:buNone/>
+              <a:tabLst/>
+              <a:defRPr sz="3000" b="1" i="0" u="none" strike="noStrike" cap="none" spc="0" baseline="0">
+                <a:ln>
+                  <a:noFill/>
+                </a:ln>
+                <a:solidFill>
+                  <a:srgbClr val="003C9E"/>
+                </a:solidFill>
+                <a:uFillTx/>
+                <a:latin typeface="Verdana"/>
+                <a:ea typeface="Verdana"/>
+                <a:cs typeface="Verdana"/>
+                <a:sym typeface="Verdana"/>
+              </a:defRPr>
+            </a:lvl4pPr>
+            <a:lvl5pPr marL="0" marR="0" indent="0" algn="ctr" defTabSz="914293" rtl="0" latinLnBrk="0">
+              <a:lnSpc>
+                <a:spcPct val="100000"/>
+              </a:lnSpc>
+              <a:spcBef>
+                <a:spcPts val="700"/>
+              </a:spcBef>
+              <a:spcAft>
+                <a:spcPts val="0"/>
+              </a:spcAft>
+              <a:buClrTx/>
+              <a:buSzTx/>
+              <a:buFont typeface="Arial"/>
+              <a:buNone/>
+              <a:tabLst/>
+              <a:defRPr sz="3000" b="1" i="0" u="none" strike="noStrike" cap="none" spc="0" baseline="0">
+                <a:ln>
+                  <a:noFill/>
+                </a:ln>
+                <a:solidFill>
+                  <a:srgbClr val="003C9E"/>
+                </a:solidFill>
+                <a:uFillTx/>
+                <a:latin typeface="Verdana"/>
+                <a:ea typeface="Verdana"/>
+                <a:cs typeface="Verdana"/>
+                <a:sym typeface="Verdana"/>
+              </a:defRPr>
+            </a:lvl5pPr>
+            <a:lvl6pPr marL="0" marR="0" indent="0" algn="ctr" defTabSz="914293" rtl="0" latinLnBrk="0">
+              <a:lnSpc>
+                <a:spcPct val="100000"/>
+              </a:lnSpc>
+              <a:spcBef>
+                <a:spcPts val="700"/>
+              </a:spcBef>
+              <a:spcAft>
+                <a:spcPts val="0"/>
+              </a:spcAft>
+              <a:buClrTx/>
+              <a:buSzTx/>
+              <a:buFont typeface="Arial"/>
+              <a:buNone/>
+              <a:tabLst/>
+              <a:defRPr sz="3000" b="1" i="0" u="none" strike="noStrike" cap="none" spc="0" baseline="0">
+                <a:ln>
+                  <a:noFill/>
+                </a:ln>
+                <a:solidFill>
+                  <a:srgbClr val="003C9E"/>
+                </a:solidFill>
+                <a:uFillTx/>
+                <a:latin typeface="Verdana"/>
+                <a:ea typeface="Verdana"/>
+                <a:cs typeface="Verdana"/>
+                <a:sym typeface="Verdana"/>
+              </a:defRPr>
+            </a:lvl6pPr>
+            <a:lvl7pPr marL="0" marR="0" indent="0" algn="ctr" defTabSz="914293" rtl="0" latinLnBrk="0">
+              <a:lnSpc>
+                <a:spcPct val="100000"/>
+              </a:lnSpc>
+              <a:spcBef>
+                <a:spcPts val="700"/>
+              </a:spcBef>
+              <a:spcAft>
+                <a:spcPts val="0"/>
+              </a:spcAft>
+              <a:buClrTx/>
+              <a:buSzTx/>
+              <a:buFont typeface="Arial"/>
+              <a:buNone/>
+              <a:tabLst/>
+              <a:defRPr sz="3000" b="1" i="0" u="none" strike="noStrike" cap="none" spc="0" baseline="0">
+                <a:ln>
+                  <a:noFill/>
+                </a:ln>
+                <a:solidFill>
+                  <a:srgbClr val="003C9E"/>
+                </a:solidFill>
+                <a:uFillTx/>
+                <a:latin typeface="Verdana"/>
+                <a:ea typeface="Verdana"/>
+                <a:cs typeface="Verdana"/>
+                <a:sym typeface="Verdana"/>
+              </a:defRPr>
+            </a:lvl7pPr>
+            <a:lvl8pPr marL="0" marR="0" indent="0" algn="ctr" defTabSz="914293" rtl="0" latinLnBrk="0">
+              <a:lnSpc>
+                <a:spcPct val="100000"/>
+              </a:lnSpc>
+              <a:spcBef>
+                <a:spcPts val="700"/>
+              </a:spcBef>
+              <a:spcAft>
+                <a:spcPts val="0"/>
+              </a:spcAft>
+              <a:buClrTx/>
+              <a:buSzTx/>
+              <a:buFont typeface="Arial"/>
+              <a:buNone/>
+              <a:tabLst/>
+              <a:defRPr sz="3000" b="1" i="0" u="none" strike="noStrike" cap="none" spc="0" baseline="0">
+                <a:ln>
+                  <a:noFill/>
+                </a:ln>
+                <a:solidFill>
+                  <a:srgbClr val="003C9E"/>
+                </a:solidFill>
+                <a:uFillTx/>
+                <a:latin typeface="Verdana"/>
+                <a:ea typeface="Verdana"/>
+                <a:cs typeface="Verdana"/>
+                <a:sym typeface="Verdana"/>
+              </a:defRPr>
+            </a:lvl8pPr>
+            <a:lvl9pPr marL="0" marR="0" indent="0" algn="ctr" defTabSz="914293" rtl="0" latinLnBrk="0">
+              <a:lnSpc>
+                <a:spcPct val="100000"/>
+              </a:lnSpc>
+              <a:spcBef>
+                <a:spcPts val="700"/>
+              </a:spcBef>
+              <a:spcAft>
+                <a:spcPts val="0"/>
+              </a:spcAft>
+              <a:buClrTx/>
+              <a:buSzTx/>
+              <a:buFont typeface="Arial"/>
+              <a:buNone/>
+              <a:tabLst/>
+              <a:defRPr sz="3000" b="1" i="0" u="none" strike="noStrike" cap="none" spc="0" baseline="0">
+                <a:ln>
+                  <a:noFill/>
+                </a:ln>
+                <a:solidFill>
+                  <a:srgbClr val="003C9E"/>
+                </a:solidFill>
+                <a:uFillTx/>
+                <a:latin typeface="Verdana"/>
+                <a:ea typeface="Verdana"/>
+                <a:cs typeface="Verdana"/>
+                <a:sym typeface="Verdana"/>
+              </a:defRPr>
+            </a:lvl9pPr>
+          </a:lstStyle>
+          <a:p>
+            <a:r>
+              <a:rPr dirty="0"/>
+              <a:t>CampusNet</a:t>
             </a:r>
           </a:p>
         </p:txBody>
@@ -3898,12 +4297,12 @@
   <p:clrMapOvr>
     <a:masterClrMapping/>
   </p:clrMapOvr>
-  <p:transition xmlns:p14="http://schemas.microsoft.com/office/powerpoint/2010/main" spd="med" advClick="1"/>
+  <p:transition spd="med"/>
 </p:sld>
 </file>
 
 <file path=ppt/slides/slide10.xml><?xml version="1.0" encoding="utf-8"?>
-<p:sld xmlns:a="http://schemas.openxmlformats.org/drawingml/2006/main" xmlns:r="http://schemas.openxmlformats.org/officeDocument/2006/relationships" xmlns:p="http://schemas.openxmlformats.org/presentationml/2006/main" showMasterSp="1" showMasterPhAnim="1">
+<p:sld xmlns:a="http://schemas.openxmlformats.org/drawingml/2006/main" xmlns:r="http://schemas.openxmlformats.org/officeDocument/2006/relationships" xmlns:p="http://schemas.openxmlformats.org/presentationml/2006/main">
   <p:cSld>
     <p:spTree>
       <p:nvGrpSpPr>
@@ -3922,7 +4321,9 @@
       <p:sp>
         <p:nvSpPr>
           <p:cNvPr id="149" name="Developed the login and registration modules using the MEAN stack…"/>
-          <p:cNvSpPr/>
+          <p:cNvSpPr>
+            <a:spLocks noGrp="1"/>
+          </p:cNvSpPr>
           <p:nvPr>
             <p:ph type="body" idx="1"/>
           </p:nvPr>
@@ -3951,6 +4352,7 @@
                 <a:blip r:embed="rId2"/>
               </a:buBlip>
             </a:pPr>
+            <a:endParaRPr/>
           </a:p>
           <a:p>
             <a:pPr>
@@ -3978,6 +4380,7 @@
                 <a:blip r:embed="rId2"/>
               </a:buBlip>
             </a:pPr>
+            <a:endParaRPr/>
           </a:p>
           <a:p>
             <a:pPr>
@@ -3994,7 +4397,9 @@
       <p:sp>
         <p:nvSpPr>
           <p:cNvPr id="150" name="Current progress"/>
-          <p:cNvSpPr/>
+          <p:cNvSpPr>
+            <a:spLocks noGrp="1"/>
+          </p:cNvSpPr>
           <p:nvPr>
             <p:ph type="title"/>
           </p:nvPr>
@@ -4017,7 +4422,6 @@
             </a:lvl1pPr>
           </a:lstStyle>
           <a:p>
-            <a:pPr/>
             <a:r>
               <a:t>Current progress</a:t>
             </a:r>
@@ -4029,12 +4433,12 @@
   <p:clrMapOvr>
     <a:masterClrMapping/>
   </p:clrMapOvr>
-  <p:transition xmlns:p14="http://schemas.microsoft.com/office/powerpoint/2010/main" spd="med" advClick="1"/>
+  <p:transition spd="med"/>
 </p:sld>
 </file>
 
 <file path=ppt/slides/slide11.xml><?xml version="1.0" encoding="utf-8"?>
-<p:sld xmlns:a="http://schemas.openxmlformats.org/drawingml/2006/main" xmlns:r="http://schemas.openxmlformats.org/officeDocument/2006/relationships" xmlns:p="http://schemas.openxmlformats.org/presentationml/2006/main" showMasterSp="1" showMasterPhAnim="1">
+<p:sld xmlns:a="http://schemas.openxmlformats.org/drawingml/2006/main" xmlns:r="http://schemas.openxmlformats.org/officeDocument/2006/relationships" xmlns:p="http://schemas.openxmlformats.org/presentationml/2006/main">
   <p:cSld>
     <p:spTree>
       <p:nvGrpSpPr>
@@ -4053,7 +4457,9 @@
       <p:sp>
         <p:nvSpPr>
           <p:cNvPr id="152" name="Issues with mongoDB connection…"/>
-          <p:cNvSpPr/>
+          <p:cNvSpPr>
+            <a:spLocks noGrp="1"/>
+          </p:cNvSpPr>
           <p:nvPr>
             <p:ph type="body" idx="1"/>
           </p:nvPr>
@@ -4082,6 +4488,7 @@
                 <a:blip r:embed="rId2"/>
               </a:buBlip>
             </a:pPr>
+            <a:endParaRPr/>
           </a:p>
           <a:p>
             <a:pPr>
@@ -4099,6 +4506,7 @@
                 <a:blip r:embed="rId2"/>
               </a:buBlip>
             </a:pPr>
+            <a:endParaRPr/>
           </a:p>
           <a:p>
             <a:pPr>
@@ -4115,7 +4523,9 @@
       <p:sp>
         <p:nvSpPr>
           <p:cNvPr id="153" name="Challenges"/>
-          <p:cNvSpPr/>
+          <p:cNvSpPr>
+            <a:spLocks noGrp="1"/>
+          </p:cNvSpPr>
           <p:nvPr>
             <p:ph type="title"/>
           </p:nvPr>
@@ -4138,7 +4548,6 @@
             </a:lvl1pPr>
           </a:lstStyle>
           <a:p>
-            <a:pPr/>
             <a:r>
               <a:t>Challenges</a:t>
             </a:r>
@@ -4150,12 +4559,12 @@
   <p:clrMapOvr>
     <a:masterClrMapping/>
   </p:clrMapOvr>
-  <p:transition xmlns:p14="http://schemas.microsoft.com/office/powerpoint/2010/main" spd="med" advClick="1"/>
+  <p:transition spd="med"/>
 </p:sld>
 </file>
 
 <file path=ppt/slides/slide12.xml><?xml version="1.0" encoding="utf-8"?>
-<p:sld xmlns:a="http://schemas.openxmlformats.org/drawingml/2006/main" xmlns:r="http://schemas.openxmlformats.org/officeDocument/2006/relationships" xmlns:p="http://schemas.openxmlformats.org/presentationml/2006/main" showMasterSp="1" showMasterPhAnim="1">
+<p:sld xmlns:a="http://schemas.openxmlformats.org/drawingml/2006/main" xmlns:r="http://schemas.openxmlformats.org/officeDocument/2006/relationships" xmlns:p="http://schemas.openxmlformats.org/presentationml/2006/main">
   <p:cSld>
     <p:spTree>
       <p:nvGrpSpPr>
@@ -4174,7 +4583,9 @@
       <p:sp>
         <p:nvSpPr>
           <p:cNvPr id="155" name="Start with the CampusConnect module…"/>
-          <p:cNvSpPr/>
+          <p:cNvSpPr>
+            <a:spLocks noGrp="1"/>
+          </p:cNvSpPr>
           <p:nvPr>
             <p:ph type="body" idx="1"/>
           </p:nvPr>
@@ -4203,6 +4614,7 @@
                 <a:blip r:embed="rId2"/>
               </a:buBlip>
             </a:pPr>
+            <a:endParaRPr/>
           </a:p>
           <a:p>
             <a:pPr>
@@ -4220,6 +4632,7 @@
                 <a:blip r:embed="rId2"/>
               </a:buBlip>
             </a:pPr>
+            <a:endParaRPr/>
           </a:p>
           <a:p>
             <a:pPr>
@@ -4236,7 +4649,9 @@
       <p:sp>
         <p:nvSpPr>
           <p:cNvPr id="156" name="The road ahead"/>
-          <p:cNvSpPr/>
+          <p:cNvSpPr>
+            <a:spLocks noGrp="1"/>
+          </p:cNvSpPr>
           <p:nvPr>
             <p:ph type="title"/>
           </p:nvPr>
@@ -4259,7 +4674,6 @@
             </a:lvl1pPr>
           </a:lstStyle>
           <a:p>
-            <a:pPr/>
             <a:r>
               <a:t>The road ahead</a:t>
             </a:r>
@@ -4271,12 +4685,12 @@
   <p:clrMapOvr>
     <a:masterClrMapping/>
   </p:clrMapOvr>
-  <p:transition xmlns:p14="http://schemas.microsoft.com/office/powerpoint/2010/main" spd="med" advClick="1"/>
+  <p:transition spd="med"/>
 </p:sld>
 </file>
 
 <file path=ppt/slides/slide13.xml><?xml version="1.0" encoding="utf-8"?>
-<p:sld xmlns:a="http://schemas.openxmlformats.org/drawingml/2006/main" xmlns:r="http://schemas.openxmlformats.org/officeDocument/2006/relationships" xmlns:p="http://schemas.openxmlformats.org/presentationml/2006/main" showMasterSp="1" showMasterPhAnim="1">
+<p:sld xmlns:a="http://schemas.openxmlformats.org/drawingml/2006/main" xmlns:r="http://schemas.openxmlformats.org/officeDocument/2006/relationships" xmlns:p="http://schemas.openxmlformats.org/presentationml/2006/main">
   <p:cSld>
     <p:spTree>
       <p:nvGrpSpPr>
@@ -4295,7 +4709,9 @@
       <p:sp>
         <p:nvSpPr>
           <p:cNvPr id="158" name="Link to the application"/>
-          <p:cNvSpPr/>
+          <p:cNvSpPr>
+            <a:spLocks noGrp="1"/>
+          </p:cNvSpPr>
           <p:nvPr>
             <p:ph type="body" idx="1"/>
           </p:nvPr>
@@ -4326,7 +4742,6 @@
             </a:lvl1pPr>
           </a:lstStyle>
           <a:p>
-            <a:pPr/>
             <a:r>
               <a:t>http://ec2-34-232-64-186.compute-1.amazonaws.com:3000/</a:t>
             </a:r>
@@ -4336,7 +4751,9 @@
       <p:sp>
         <p:nvSpPr>
           <p:cNvPr id="159" name="Demo"/>
-          <p:cNvSpPr/>
+          <p:cNvSpPr>
+            <a:spLocks noGrp="1"/>
+          </p:cNvSpPr>
           <p:nvPr>
             <p:ph type="title"/>
           </p:nvPr>
@@ -4359,7 +4776,6 @@
             </a:lvl1pPr>
           </a:lstStyle>
           <a:p>
-            <a:pPr/>
             <a:r>
               <a:t>Demo</a:t>
             </a:r>
@@ -4371,12 +4787,12 @@
   <p:clrMapOvr>
     <a:masterClrMapping/>
   </p:clrMapOvr>
-  <p:transition xmlns:p14="http://schemas.microsoft.com/office/powerpoint/2010/main" spd="med" advClick="1"/>
+  <p:transition spd="med"/>
 </p:sld>
 </file>
 
 <file path=ppt/slides/slide2.xml><?xml version="1.0" encoding="utf-8"?>
-<p:sld xmlns:a="http://schemas.openxmlformats.org/drawingml/2006/main" xmlns:r="http://schemas.openxmlformats.org/officeDocument/2006/relationships" xmlns:p="http://schemas.openxmlformats.org/presentationml/2006/main" showMasterSp="1" showMasterPhAnim="1">
+<p:sld xmlns:a="http://schemas.openxmlformats.org/drawingml/2006/main" xmlns:r="http://schemas.openxmlformats.org/officeDocument/2006/relationships" xmlns:p="http://schemas.openxmlformats.org/presentationml/2006/main">
   <p:cSld>
     <p:spTree>
       <p:nvGrpSpPr>
@@ -4395,7 +4811,9 @@
       <p:sp>
         <p:nvSpPr>
           <p:cNvPr id="125" name="Content Placeholder 1"/>
-          <p:cNvSpPr/>
+          <p:cNvSpPr>
+            <a:spLocks noGrp="1"/>
+          </p:cNvSpPr>
           <p:nvPr>
             <p:ph type="body" idx="1"/>
           </p:nvPr>
@@ -4428,6 +4846,7 @@
                 <a:blip r:embed="rId2"/>
               </a:buBlip>
             </a:pPr>
+            <a:endParaRPr/>
           </a:p>
           <a:p>
             <a:pPr>
@@ -4444,7 +4863,9 @@
       <p:sp>
         <p:nvSpPr>
           <p:cNvPr id="126" name="Title 2"/>
-          <p:cNvSpPr/>
+          <p:cNvSpPr>
+            <a:spLocks noGrp="1"/>
+          </p:cNvSpPr>
           <p:nvPr>
             <p:ph type="title"/>
           </p:nvPr>
@@ -4467,7 +4888,6 @@
             </a:lvl1pPr>
           </a:lstStyle>
           <a:p>
-            <a:pPr/>
             <a:r>
               <a:t>Motivation</a:t>
             </a:r>
@@ -4479,13 +4899,13 @@
   <p:clrMapOvr>
     <a:masterClrMapping/>
   </p:clrMapOvr>
-  <mc:AlternateContent xmlns:mc="http://schemas.openxmlformats.org/markup-compatibility/2006">
-    <mc:Choice xmlns:p14="http://schemas.microsoft.com/office/powerpoint/2010/main" Requires="p14">
-      <p:transition spd="slow" advClick="1" p14:dur="1200">
+  <mc:AlternateContent xmlns:mc="http://schemas.openxmlformats.org/markup-compatibility/2006" xmlns:p14="http://schemas.microsoft.com/office/powerpoint/2010/main">
+    <mc:Choice Requires="p14">
+      <p:transition spd="slow" p14:dur="1200">
         <p:dissolve/>
       </p:transition>
     </mc:Choice>
-    <mc:Fallback>
+    <mc:Fallback xmlns="">
       <p:transition spd="slow">
         <p:fade/>
       </p:transition>
@@ -4495,7 +4915,7 @@
 </file>
 
 <file path=ppt/slides/slide3.xml><?xml version="1.0" encoding="utf-8"?>
-<p:sld xmlns:a="http://schemas.openxmlformats.org/drawingml/2006/main" xmlns:r="http://schemas.openxmlformats.org/officeDocument/2006/relationships" xmlns:p="http://schemas.openxmlformats.org/presentationml/2006/main" showMasterSp="1" showMasterPhAnim="1">
+<p:sld xmlns:a="http://schemas.openxmlformats.org/drawingml/2006/main" xmlns:r="http://schemas.openxmlformats.org/officeDocument/2006/relationships" xmlns:p="http://schemas.openxmlformats.org/presentationml/2006/main">
   <p:cSld>
     <p:spTree>
       <p:nvGrpSpPr>
@@ -4514,7 +4934,9 @@
       <p:sp>
         <p:nvSpPr>
           <p:cNvPr id="128" name="CourseConnect…"/>
-          <p:cNvSpPr/>
+          <p:cNvSpPr>
+            <a:spLocks noGrp="1"/>
+          </p:cNvSpPr>
           <p:nvPr>
             <p:ph type="body" idx="1"/>
           </p:nvPr>
@@ -4562,7 +4984,9 @@
       <p:sp>
         <p:nvSpPr>
           <p:cNvPr id="129" name="Core Modules"/>
-          <p:cNvSpPr/>
+          <p:cNvSpPr>
+            <a:spLocks noGrp="1"/>
+          </p:cNvSpPr>
           <p:nvPr>
             <p:ph type="title"/>
           </p:nvPr>
@@ -4585,7 +5009,6 @@
             </a:lvl1pPr>
           </a:lstStyle>
           <a:p>
-            <a:pPr/>
             <a:r>
               <a:t>Core Modules</a:t>
             </a:r>
@@ -4597,12 +5020,12 @@
   <p:clrMapOvr>
     <a:masterClrMapping/>
   </p:clrMapOvr>
-  <p:transition xmlns:p14="http://schemas.microsoft.com/office/powerpoint/2010/main" spd="med" advClick="1"/>
+  <p:transition spd="med"/>
 </p:sld>
 </file>
 
 <file path=ppt/slides/slide4.xml><?xml version="1.0" encoding="utf-8"?>
-<p:sld xmlns:a="http://schemas.openxmlformats.org/drawingml/2006/main" xmlns:r="http://schemas.openxmlformats.org/officeDocument/2006/relationships" xmlns:p="http://schemas.openxmlformats.org/presentationml/2006/main" showMasterSp="1" showMasterPhAnim="1">
+<p:sld xmlns:a="http://schemas.openxmlformats.org/drawingml/2006/main" xmlns:r="http://schemas.openxmlformats.org/officeDocument/2006/relationships" xmlns:p="http://schemas.openxmlformats.org/presentationml/2006/main">
   <p:cSld>
     <p:spTree>
       <p:nvGrpSpPr>
@@ -4621,7 +5044,9 @@
       <p:sp>
         <p:nvSpPr>
           <p:cNvPr id="131" name="Connect with the Current or previously enrolled students…"/>
-          <p:cNvSpPr/>
+          <p:cNvSpPr>
+            <a:spLocks noGrp="1"/>
+          </p:cNvSpPr>
           <p:nvPr>
             <p:ph type="body" idx="1"/>
           </p:nvPr>
@@ -4650,6 +5075,7 @@
                 <a:blip r:embed="rId2"/>
               </a:buBlip>
             </a:pPr>
+            <a:endParaRPr/>
           </a:p>
           <a:p>
             <a:pPr>
@@ -4667,6 +5093,7 @@
                 <a:blip r:embed="rId2"/>
               </a:buBlip>
             </a:pPr>
+            <a:endParaRPr/>
           </a:p>
           <a:p>
             <a:pPr>
@@ -4684,6 +5111,7 @@
                 <a:blip r:embed="rId2"/>
               </a:buBlip>
             </a:pPr>
+            <a:endParaRPr/>
           </a:p>
           <a:p>
             <a:pPr>
@@ -4700,7 +5128,9 @@
       <p:sp>
         <p:nvSpPr>
           <p:cNvPr id="132" name="CourseConnect"/>
-          <p:cNvSpPr/>
+          <p:cNvSpPr>
+            <a:spLocks noGrp="1"/>
+          </p:cNvSpPr>
           <p:nvPr>
             <p:ph type="title"/>
           </p:nvPr>
@@ -4723,7 +5153,6 @@
             </a:lvl1pPr>
           </a:lstStyle>
           <a:p>
-            <a:pPr/>
             <a:r>
               <a:t>CourseConnect</a:t>
             </a:r>
@@ -4735,12 +5164,12 @@
   <p:clrMapOvr>
     <a:masterClrMapping/>
   </p:clrMapOvr>
-  <p:transition xmlns:p14="http://schemas.microsoft.com/office/powerpoint/2010/main" spd="med" advClick="1"/>
+  <p:transition spd="med"/>
 </p:sld>
 </file>
 
 <file path=ppt/slides/slide5.xml><?xml version="1.0" encoding="utf-8"?>
-<p:sld xmlns:a="http://schemas.openxmlformats.org/drawingml/2006/main" xmlns:r="http://schemas.openxmlformats.org/officeDocument/2006/relationships" xmlns:p="http://schemas.openxmlformats.org/presentationml/2006/main" showMasterSp="1" showMasterPhAnim="1">
+<p:sld xmlns:a="http://schemas.openxmlformats.org/drawingml/2006/main" xmlns:r="http://schemas.openxmlformats.org/officeDocument/2006/relationships" xmlns:p="http://schemas.openxmlformats.org/presentationml/2006/main">
   <p:cSld>
     <p:spTree>
       <p:nvGrpSpPr>
@@ -4759,7 +5188,9 @@
       <p:sp>
         <p:nvSpPr>
           <p:cNvPr id="134" name="Graphs to show trending courses…"/>
-          <p:cNvSpPr/>
+          <p:cNvSpPr>
+            <a:spLocks noGrp="1"/>
+          </p:cNvSpPr>
           <p:nvPr>
             <p:ph type="body" idx="1"/>
           </p:nvPr>
@@ -4782,6 +5213,7 @@
               <a:t>Graphs to show trending courses</a:t>
             </a:r>
             <a:br/>
+            <a:endParaRPr/>
           </a:p>
           <a:p>
             <a:pPr>
@@ -4793,6 +5225,7 @@
               <a:t>Analytics for popular courses</a:t>
             </a:r>
             <a:br/>
+            <a:endParaRPr/>
           </a:p>
           <a:p>
             <a:pPr>
@@ -4809,7 +5242,9 @@
       <p:sp>
         <p:nvSpPr>
           <p:cNvPr id="135" name="Dashboard"/>
-          <p:cNvSpPr/>
+          <p:cNvSpPr>
+            <a:spLocks noGrp="1"/>
+          </p:cNvSpPr>
           <p:nvPr>
             <p:ph type="title"/>
           </p:nvPr>
@@ -4832,7 +5267,6 @@
             </a:lvl1pPr>
           </a:lstStyle>
           <a:p>
-            <a:pPr/>
             <a:r>
               <a:t>Dashboard</a:t>
             </a:r>
@@ -4844,12 +5278,12 @@
   <p:clrMapOvr>
     <a:masterClrMapping/>
   </p:clrMapOvr>
-  <p:transition xmlns:p14="http://schemas.microsoft.com/office/powerpoint/2010/main" spd="med" advClick="1"/>
+  <p:transition spd="med"/>
 </p:sld>
 </file>
 
 <file path=ppt/slides/slide6.xml><?xml version="1.0" encoding="utf-8"?>
-<p:sld xmlns:a="http://schemas.openxmlformats.org/drawingml/2006/main" xmlns:r="http://schemas.openxmlformats.org/officeDocument/2006/relationships" xmlns:p="http://schemas.openxmlformats.org/presentationml/2006/main" showMasterSp="1" showMasterPhAnim="1">
+<p:sld xmlns:a="http://schemas.openxmlformats.org/drawingml/2006/main" xmlns:r="http://schemas.openxmlformats.org/officeDocument/2006/relationships" xmlns:p="http://schemas.openxmlformats.org/presentationml/2006/main">
   <p:cSld>
     <p:spTree>
       <p:nvGrpSpPr>
@@ -4868,7 +5302,9 @@
       <p:sp>
         <p:nvSpPr>
           <p:cNvPr id="137" name="Basic classifieds module for students to sell and buy textbooks and other educational materials…"/>
-          <p:cNvSpPr/>
+          <p:cNvSpPr>
+            <a:spLocks noGrp="1"/>
+          </p:cNvSpPr>
           <p:nvPr>
             <p:ph type="body" idx="1"/>
           </p:nvPr>
@@ -4897,6 +5333,7 @@
                 <a:blip r:embed="rId2"/>
               </a:buBlip>
             </a:pPr>
+            <a:endParaRPr/>
           </a:p>
           <a:p>
             <a:pPr>
@@ -4914,6 +5351,7 @@
                 <a:blip r:embed="rId2"/>
               </a:buBlip>
             </a:pPr>
+            <a:endParaRPr/>
           </a:p>
           <a:p>
             <a:pPr>
@@ -4930,7 +5368,9 @@
       <p:sp>
         <p:nvSpPr>
           <p:cNvPr id="138" name="MarketPlace"/>
-          <p:cNvSpPr/>
+          <p:cNvSpPr>
+            <a:spLocks noGrp="1"/>
+          </p:cNvSpPr>
           <p:nvPr>
             <p:ph type="title"/>
           </p:nvPr>
@@ -4953,7 +5393,6 @@
             </a:lvl1pPr>
           </a:lstStyle>
           <a:p>
-            <a:pPr/>
             <a:r>
               <a:t>Marketplace</a:t>
             </a:r>
@@ -4965,12 +5404,12 @@
   <p:clrMapOvr>
     <a:masterClrMapping/>
   </p:clrMapOvr>
-  <p:transition xmlns:p14="http://schemas.microsoft.com/office/powerpoint/2010/main" spd="med" advClick="1"/>
+  <p:transition spd="med"/>
 </p:sld>
 </file>
 
 <file path=ppt/slides/slide7.xml><?xml version="1.0" encoding="utf-8"?>
-<p:sld xmlns:a="http://schemas.openxmlformats.org/drawingml/2006/main" xmlns:r="http://schemas.openxmlformats.org/officeDocument/2006/relationships" xmlns:p="http://schemas.openxmlformats.org/presentationml/2006/main" showMasterSp="1" showMasterPhAnim="1">
+<p:sld xmlns:a="http://schemas.openxmlformats.org/drawingml/2006/main" xmlns:r="http://schemas.openxmlformats.org/officeDocument/2006/relationships" xmlns:p="http://schemas.openxmlformats.org/presentationml/2006/main">
   <p:cSld>
     <p:spTree>
       <p:nvGrpSpPr>
@@ -5018,7 +5457,9 @@
       <p:sp>
         <p:nvSpPr>
           <p:cNvPr id="141" name="Title 2"/>
-          <p:cNvSpPr/>
+          <p:cNvSpPr>
+            <a:spLocks noGrp="1"/>
+          </p:cNvSpPr>
           <p:nvPr>
             <p:ph type="title"/>
           </p:nvPr>
@@ -5041,7 +5482,6 @@
             </a:lvl1pPr>
           </a:lstStyle>
           <a:p>
-            <a:pPr/>
             <a:r>
               <a:t>Workflow</a:t>
             </a:r>
@@ -5053,12 +5493,12 @@
   <p:clrMapOvr>
     <a:masterClrMapping/>
   </p:clrMapOvr>
-  <p:transition xmlns:p14="http://schemas.microsoft.com/office/powerpoint/2010/main" spd="med" advClick="1"/>
+  <p:transition spd="med"/>
 </p:sld>
 </file>
 
 <file path=ppt/slides/slide8.xml><?xml version="1.0" encoding="utf-8"?>
-<p:sld xmlns:a="http://schemas.openxmlformats.org/drawingml/2006/main" xmlns:r="http://schemas.openxmlformats.org/officeDocument/2006/relationships" xmlns:p="http://schemas.openxmlformats.org/presentationml/2006/main" showMasterSp="1" showMasterPhAnim="1">
+<p:sld xmlns:a="http://schemas.openxmlformats.org/drawingml/2006/main" xmlns:r="http://schemas.openxmlformats.org/officeDocument/2006/relationships" xmlns:p="http://schemas.openxmlformats.org/presentationml/2006/main">
   <p:cSld>
     <p:spTree>
       <p:nvGrpSpPr>
@@ -5077,7 +5517,9 @@
       <p:sp>
         <p:nvSpPr>
           <p:cNvPr id="143" name="MEAN stack…"/>
-          <p:cNvSpPr/>
+          <p:cNvSpPr>
+            <a:spLocks noGrp="1"/>
+          </p:cNvSpPr>
           <p:nvPr>
             <p:ph type="body" idx="1"/>
           </p:nvPr>
@@ -5106,6 +5548,7 @@
                 <a:blip r:embed="rId2"/>
               </a:buBlip>
             </a:pPr>
+            <a:endParaRPr/>
           </a:p>
           <a:p>
             <a:pPr>
@@ -5123,6 +5566,7 @@
                 <a:blip r:embed="rId2"/>
               </a:buBlip>
             </a:pPr>
+            <a:endParaRPr/>
           </a:p>
           <a:p>
             <a:pPr>
@@ -5149,7 +5593,9 @@
       <p:sp>
         <p:nvSpPr>
           <p:cNvPr id="144" name="Technology stack"/>
-          <p:cNvSpPr/>
+          <p:cNvSpPr>
+            <a:spLocks noGrp="1"/>
+          </p:cNvSpPr>
           <p:nvPr>
             <p:ph type="title"/>
           </p:nvPr>
@@ -5172,7 +5618,6 @@
             </a:lvl1pPr>
           </a:lstStyle>
           <a:p>
-            <a:pPr/>
             <a:r>
               <a:t>Technology stack</a:t>
             </a:r>
@@ -5184,12 +5629,12 @@
   <p:clrMapOvr>
     <a:masterClrMapping/>
   </p:clrMapOvr>
-  <p:transition xmlns:p14="http://schemas.microsoft.com/office/powerpoint/2010/main" spd="med" advClick="1"/>
+  <p:transition spd="med"/>
 </p:sld>
 </file>
 
 <file path=ppt/slides/slide9.xml><?xml version="1.0" encoding="utf-8"?>
-<p:sld xmlns:a="http://schemas.openxmlformats.org/drawingml/2006/main" xmlns:r="http://schemas.openxmlformats.org/officeDocument/2006/relationships" xmlns:p="http://schemas.openxmlformats.org/presentationml/2006/main" showMasterSp="1" showMasterPhAnim="1">
+<p:sld xmlns:a="http://schemas.openxmlformats.org/drawingml/2006/main" xmlns:r="http://schemas.openxmlformats.org/officeDocument/2006/relationships" xmlns:p="http://schemas.openxmlformats.org/presentationml/2006/main">
   <p:cSld>
     <p:spTree>
       <p:nvGrpSpPr>
@@ -5208,7 +5653,9 @@
       <p:sp>
         <p:nvSpPr>
           <p:cNvPr id="146" name="Title 2"/>
-          <p:cNvSpPr/>
+          <p:cNvSpPr>
+            <a:spLocks noGrp="1"/>
+          </p:cNvSpPr>
           <p:nvPr>
             <p:ph type="title"/>
           </p:nvPr>
@@ -5231,7 +5678,6 @@
             </a:lvl1pPr>
           </a:lstStyle>
           <a:p>
-            <a:pPr/>
             <a:r>
               <a:t>MEAN Architecture Flow</a:t>
             </a:r>
@@ -5272,12 +5718,12 @@
   <p:clrMapOvr>
     <a:masterClrMapping/>
   </p:clrMapOvr>
-  <p:transition xmlns:p14="http://schemas.microsoft.com/office/powerpoint/2010/main" spd="med" advClick="1"/>
+  <p:transition spd="med"/>
 </p:sld>
 </file>
 
 <file path=ppt/theme/theme1.xml><?xml version="1.0" encoding="utf-8"?>
-<a:theme xmlns:a="http://schemas.openxmlformats.org/drawingml/2006/main" xmlns:r="http://schemas.openxmlformats.org/officeDocument/2006/relationships" name="Deep Blue - Template">
+<a:theme xmlns:a="http://schemas.openxmlformats.org/drawingml/2006/main" name="Deep Blue - Template">
   <a:themeElements>
     <a:clrScheme name="Deep Blue - Template">
       <a:dk1>
@@ -5403,7 +5849,7 @@
       <a:effectStyleLst>
         <a:effectStyle>
           <a:effectLst>
-            <a:outerShdw sx="100000" sy="100000" kx="0" ky="0" algn="b" rotWithShape="0" blurRad="38100" dist="23000" dir="5400000">
+            <a:outerShdw blurRad="38100" dist="23000" dir="5400000" rotWithShape="0">
               <a:srgbClr val="000000">
                 <a:alpha val="35000"/>
               </a:srgbClr>
@@ -5412,7 +5858,7 @@
         </a:effectStyle>
         <a:effectStyle>
           <a:effectLst>
-            <a:outerShdw sx="100000" sy="100000" kx="0" ky="0" algn="b" rotWithShape="0" blurRad="38100" dist="23000" dir="5400000">
+            <a:outerShdw blurRad="38100" dist="23000" dir="5400000" rotWithShape="0">
               <a:srgbClr val="000000">
                 <a:alpha val="35000"/>
               </a:srgbClr>
@@ -5421,7 +5867,7 @@
         </a:effectStyle>
         <a:effectStyle>
           <a:effectLst>
-            <a:outerShdw sx="100000" sy="100000" kx="0" ky="0" algn="b" rotWithShape="0" blurRad="38100" dist="23000" dir="5400000">
+            <a:outerShdw blurRad="38100" dist="23000" dir="5400000" rotWithShape="0">
               <a:srgbClr val="000000">
                 <a:alpha val="35000"/>
               </a:srgbClr>
@@ -5495,7 +5941,7 @@
           <a:round/>
         </a:ln>
         <a:effectLst>
-          <a:outerShdw sx="100000" sy="100000" kx="0" ky="0" algn="b" rotWithShape="0" blurRad="38100" dist="23000" dir="5400000">
+          <a:outerShdw blurRad="38100" dist="23000" dir="5400000" rotWithShape="0">
             <a:srgbClr val="000000">
               <a:alpha val="35000"/>
             </a:srgbClr>
@@ -5503,7 +5949,7 @@
         </a:effectLst>
         <a:sp3d/>
       </a:spPr>
-      <a:bodyPr rot="0" spcFirstLastPara="1" vertOverflow="overflow" horzOverflow="overflow" vert="horz" wrap="square" lIns="45718" tIns="45718" rIns="45718" bIns="45718" numCol="1" spcCol="38100" rtlCol="0" anchor="ctr" upright="0">
+      <a:bodyPr rot="0" spcFirstLastPara="1" vertOverflow="overflow" horzOverflow="overflow" vert="horz" wrap="square" lIns="45718" tIns="45718" rIns="45718" bIns="45718" numCol="1" spcCol="38100" rtlCol="0" anchor="ctr">
         <a:spAutoFit/>
       </a:bodyPr>
       <a:lstStyle>
@@ -5522,7 +5968,7 @@
           <a:buFontTx/>
           <a:buNone/>
           <a:tabLst/>
-          <a:defRPr b="0" baseline="0" cap="none" i="0" spc="0" strike="noStrike" sz="1800" u="none" kumimoji="0" normalizeH="0">
+          <a:defRPr kumimoji="0" sz="1800" b="0" i="0" u="none" strike="noStrike" cap="none" spc="0" normalizeH="0" baseline="0">
             <a:ln>
               <a:noFill/>
             </a:ln>
@@ -5552,7 +5998,7 @@
           <a:buFontTx/>
           <a:buNone/>
           <a:tabLst/>
-          <a:defRPr b="0" baseline="0" cap="none" i="0" spc="0" strike="noStrike" sz="1800" u="none" kumimoji="0" normalizeH="0">
+          <a:defRPr kumimoji="0" sz="1800" b="0" i="0" u="none" strike="noStrike" cap="none" spc="0" normalizeH="0" baseline="0">
             <a:ln>
               <a:noFill/>
             </a:ln>
@@ -5578,7 +6024,7 @@
           <a:buFontTx/>
           <a:buNone/>
           <a:tabLst/>
-          <a:defRPr b="0" baseline="0" cap="none" i="0" spc="0" strike="noStrike" sz="1800" u="none" kumimoji="0" normalizeH="0">
+          <a:defRPr kumimoji="0" sz="1800" b="0" i="0" u="none" strike="noStrike" cap="none" spc="0" normalizeH="0" baseline="0">
             <a:ln>
               <a:noFill/>
             </a:ln>
@@ -5604,7 +6050,7 @@
           <a:buFontTx/>
           <a:buNone/>
           <a:tabLst/>
-          <a:defRPr b="0" baseline="0" cap="none" i="0" spc="0" strike="noStrike" sz="1800" u="none" kumimoji="0" normalizeH="0">
+          <a:defRPr kumimoji="0" sz="1800" b="0" i="0" u="none" strike="noStrike" cap="none" spc="0" normalizeH="0" baseline="0">
             <a:ln>
               <a:noFill/>
             </a:ln>
@@ -5630,7 +6076,7 @@
           <a:buFontTx/>
           <a:buNone/>
           <a:tabLst/>
-          <a:defRPr b="0" baseline="0" cap="none" i="0" spc="0" strike="noStrike" sz="1800" u="none" kumimoji="0" normalizeH="0">
+          <a:defRPr kumimoji="0" sz="1800" b="0" i="0" u="none" strike="noStrike" cap="none" spc="0" normalizeH="0" baseline="0">
             <a:ln>
               <a:noFill/>
             </a:ln>
@@ -5656,7 +6102,7 @@
           <a:buFontTx/>
           <a:buNone/>
           <a:tabLst/>
-          <a:defRPr b="0" baseline="0" cap="none" i="0" spc="0" strike="noStrike" sz="1800" u="none" kumimoji="0" normalizeH="0">
+          <a:defRPr kumimoji="0" sz="1800" b="0" i="0" u="none" strike="noStrike" cap="none" spc="0" normalizeH="0" baseline="0">
             <a:ln>
               <a:noFill/>
             </a:ln>
@@ -5682,7 +6128,7 @@
           <a:buFontTx/>
           <a:buNone/>
           <a:tabLst/>
-          <a:defRPr b="0" baseline="0" cap="none" i="0" spc="0" strike="noStrike" sz="1800" u="none" kumimoji="0" normalizeH="0">
+          <a:defRPr kumimoji="0" sz="1800" b="0" i="0" u="none" strike="noStrike" cap="none" spc="0" normalizeH="0" baseline="0">
             <a:ln>
               <a:noFill/>
             </a:ln>
@@ -5708,7 +6154,7 @@
           <a:buFontTx/>
           <a:buNone/>
           <a:tabLst/>
-          <a:defRPr b="0" baseline="0" cap="none" i="0" spc="0" strike="noStrike" sz="1800" u="none" kumimoji="0" normalizeH="0">
+          <a:defRPr kumimoji="0" sz="1800" b="0" i="0" u="none" strike="noStrike" cap="none" spc="0" normalizeH="0" baseline="0">
             <a:ln>
               <a:noFill/>
             </a:ln>
@@ -5734,7 +6180,7 @@
           <a:buFontTx/>
           <a:buNone/>
           <a:tabLst/>
-          <a:defRPr b="0" baseline="0" cap="none" i="0" spc="0" strike="noStrike" sz="1800" u="none" kumimoji="0" normalizeH="0">
+          <a:defRPr kumimoji="0" sz="1800" b="0" i="0" u="none" strike="noStrike" cap="none" spc="0" normalizeH="0" baseline="0">
             <a:ln>
               <a:noFill/>
             </a:ln>
@@ -5760,7 +6206,7 @@
           <a:buFontTx/>
           <a:buNone/>
           <a:tabLst/>
-          <a:defRPr b="0" baseline="0" cap="none" i="0" spc="0" strike="noStrike" sz="1800" u="none" kumimoji="0" normalizeH="0">
+          <a:defRPr kumimoji="0" sz="1800" b="0" i="0" u="none" strike="noStrike" cap="none" spc="0" normalizeH="0" baseline="0">
             <a:ln>
               <a:noFill/>
             </a:ln>
@@ -5773,9 +6219,15 @@
         </a:lvl9pPr>
       </a:lstStyle>
       <a:style>
-        <a:lnRef idx="0"/>
-        <a:fillRef idx="0"/>
-        <a:effectRef idx="0"/>
+        <a:lnRef idx="0">
+          <a:scrgbClr r="0" g="0" b="0"/>
+        </a:lnRef>
+        <a:fillRef idx="0">
+          <a:scrgbClr r="0" g="0" b="0"/>
+        </a:fillRef>
+        <a:effectRef idx="0">
+          <a:scrgbClr r="0" g="0" b="0"/>
+        </a:effectRef>
         <a:fontRef idx="none"/>
       </a:style>
     </a:spDef>
@@ -5790,7 +6242,7 @@
           <a:round/>
         </a:ln>
         <a:effectLst>
-          <a:outerShdw sx="100000" sy="100000" kx="0" ky="0" algn="b" rotWithShape="0" blurRad="38100" dist="23000" dir="5400000">
+          <a:outerShdw blurRad="38100" dist="23000" dir="5400000" rotWithShape="0">
             <a:srgbClr val="000000">
               <a:alpha val="35000"/>
             </a:srgbClr>
@@ -5798,7 +6250,7 @@
         </a:effectLst>
         <a:sp3d/>
       </a:spPr>
-      <a:bodyPr rot="0" spcFirstLastPara="1" vertOverflow="overflow" horzOverflow="overflow" vert="horz" wrap="square" lIns="91439" tIns="45719" rIns="91439" bIns="45719" numCol="1" spcCol="38100" rtlCol="0" anchor="t" upright="0">
+      <a:bodyPr rot="0" spcFirstLastPara="1" vertOverflow="overflow" horzOverflow="overflow" vert="horz" wrap="square" lIns="91439" tIns="45719" rIns="91439" bIns="45719" numCol="1" spcCol="38100" rtlCol="0" anchor="t">
         <a:noAutofit/>
       </a:bodyPr>
       <a:lstStyle>
@@ -5817,7 +6269,7 @@
           <a:buFontTx/>
           <a:buNone/>
           <a:tabLst/>
-          <a:defRPr b="0" baseline="0" cap="none" i="0" spc="0" strike="noStrike" sz="1800" u="none" kumimoji="0" normalizeH="0">
+          <a:defRPr kumimoji="0" sz="1800" b="0" i="0" u="none" strike="noStrike" cap="none" spc="0" normalizeH="0" baseline="0">
             <a:ln>
               <a:noFill/>
             </a:ln>
@@ -5843,7 +6295,7 @@
           <a:buFontTx/>
           <a:buNone/>
           <a:tabLst/>
-          <a:defRPr b="0" baseline="0" cap="none" i="0" spc="0" strike="noStrike" sz="1800" u="none" kumimoji="0" normalizeH="0">
+          <a:defRPr kumimoji="0" sz="1800" b="0" i="0" u="none" strike="noStrike" cap="none" spc="0" normalizeH="0" baseline="0">
             <a:ln>
               <a:noFill/>
             </a:ln>
@@ -5869,7 +6321,7 @@
           <a:buFontTx/>
           <a:buNone/>
           <a:tabLst/>
-          <a:defRPr b="0" baseline="0" cap="none" i="0" spc="0" strike="noStrike" sz="1800" u="none" kumimoji="0" normalizeH="0">
+          <a:defRPr kumimoji="0" sz="1800" b="0" i="0" u="none" strike="noStrike" cap="none" spc="0" normalizeH="0" baseline="0">
             <a:ln>
               <a:noFill/>
             </a:ln>
@@ -5895,7 +6347,7 @@
           <a:buFontTx/>
           <a:buNone/>
           <a:tabLst/>
-          <a:defRPr b="0" baseline="0" cap="none" i="0" spc="0" strike="noStrike" sz="1800" u="none" kumimoji="0" normalizeH="0">
+          <a:defRPr kumimoji="0" sz="1800" b="0" i="0" u="none" strike="noStrike" cap="none" spc="0" normalizeH="0" baseline="0">
             <a:ln>
               <a:noFill/>
             </a:ln>
@@ -5921,7 +6373,7 @@
           <a:buFontTx/>
           <a:buNone/>
           <a:tabLst/>
-          <a:defRPr b="0" baseline="0" cap="none" i="0" spc="0" strike="noStrike" sz="1800" u="none" kumimoji="0" normalizeH="0">
+          <a:defRPr kumimoji="0" sz="1800" b="0" i="0" u="none" strike="noStrike" cap="none" spc="0" normalizeH="0" baseline="0">
             <a:ln>
               <a:noFill/>
             </a:ln>
@@ -5947,7 +6399,7 @@
           <a:buFontTx/>
           <a:buNone/>
           <a:tabLst/>
-          <a:defRPr b="0" baseline="0" cap="none" i="0" spc="0" strike="noStrike" sz="1800" u="none" kumimoji="0" normalizeH="0">
+          <a:defRPr kumimoji="0" sz="1800" b="0" i="0" u="none" strike="noStrike" cap="none" spc="0" normalizeH="0" baseline="0">
             <a:ln>
               <a:noFill/>
             </a:ln>
@@ -5973,7 +6425,7 @@
           <a:buFontTx/>
           <a:buNone/>
           <a:tabLst/>
-          <a:defRPr b="0" baseline="0" cap="none" i="0" spc="0" strike="noStrike" sz="1800" u="none" kumimoji="0" normalizeH="0">
+          <a:defRPr kumimoji="0" sz="1800" b="0" i="0" u="none" strike="noStrike" cap="none" spc="0" normalizeH="0" baseline="0">
             <a:ln>
               <a:noFill/>
             </a:ln>
@@ -5999,7 +6451,7 @@
           <a:buFontTx/>
           <a:buNone/>
           <a:tabLst/>
-          <a:defRPr b="0" baseline="0" cap="none" i="0" spc="0" strike="noStrike" sz="1800" u="none" kumimoji="0" normalizeH="0">
+          <a:defRPr kumimoji="0" sz="1800" b="0" i="0" u="none" strike="noStrike" cap="none" spc="0" normalizeH="0" baseline="0">
             <a:ln>
               <a:noFill/>
             </a:ln>
@@ -6025,7 +6477,7 @@
           <a:buFontTx/>
           <a:buNone/>
           <a:tabLst/>
-          <a:defRPr b="0" baseline="0" cap="none" i="0" spc="0" strike="noStrike" sz="1800" u="none" kumimoji="0" normalizeH="0">
+          <a:defRPr kumimoji="0" sz="1800" b="0" i="0" u="none" strike="noStrike" cap="none" spc="0" normalizeH="0" baseline="0">
             <a:ln>
               <a:noFill/>
             </a:ln>
@@ -6051,7 +6503,7 @@
           <a:buFontTx/>
           <a:buNone/>
           <a:tabLst/>
-          <a:defRPr b="0" baseline="0" cap="none" i="0" spc="0" strike="noStrike" sz="1800" u="none" kumimoji="0" normalizeH="0">
+          <a:defRPr kumimoji="0" sz="1800" b="0" i="0" u="none" strike="noStrike" cap="none" spc="0" normalizeH="0" baseline="0">
             <a:ln>
               <a:noFill/>
             </a:ln>
@@ -6064,9 +6516,15 @@
         </a:lvl9pPr>
       </a:lstStyle>
       <a:style>
-        <a:lnRef idx="0"/>
-        <a:fillRef idx="0"/>
-        <a:effectRef idx="0"/>
+        <a:lnRef idx="0">
+          <a:scrgbClr r="0" g="0" b="0"/>
+        </a:lnRef>
+        <a:fillRef idx="0">
+          <a:scrgbClr r="0" g="0" b="0"/>
+        </a:fillRef>
+        <a:effectRef idx="0">
+          <a:scrgbClr r="0" g="0" b="0"/>
+        </a:effectRef>
         <a:fontRef idx="none"/>
       </a:style>
     </a:lnDef>
@@ -6080,7 +6538,7 @@
         <a:effectLst/>
         <a:sp3d/>
       </a:spPr>
-      <a:bodyPr rot="0" spcFirstLastPara="1" vertOverflow="overflow" horzOverflow="overflow" vert="horz" wrap="square" lIns="45718" tIns="45718" rIns="45718" bIns="45718" numCol="1" spcCol="38100" rtlCol="0" anchor="t" upright="0">
+      <a:bodyPr rot="0" spcFirstLastPara="1" vertOverflow="overflow" horzOverflow="overflow" vert="horz" wrap="square" lIns="45718" tIns="45718" rIns="45718" bIns="45718" numCol="1" spcCol="38100" rtlCol="0" anchor="t">
         <a:spAutoFit/>
       </a:bodyPr>
       <a:lstStyle>
@@ -6099,7 +6557,7 @@
           <a:buFontTx/>
           <a:buNone/>
           <a:tabLst/>
-          <a:defRPr b="0" baseline="0" cap="none" i="0" spc="0" strike="noStrike" sz="1800" u="none" kumimoji="0" normalizeH="0">
+          <a:defRPr kumimoji="0" sz="1800" b="0" i="0" u="none" strike="noStrike" cap="none" spc="0" normalizeH="0" baseline="0">
             <a:ln>
               <a:noFill/>
             </a:ln>
@@ -6129,7 +6587,7 @@
           <a:buFontTx/>
           <a:buNone/>
           <a:tabLst/>
-          <a:defRPr b="0" baseline="0" cap="none" i="0" spc="0" strike="noStrike" sz="1800" u="none" kumimoji="0" normalizeH="0">
+          <a:defRPr kumimoji="0" sz="1800" b="0" i="0" u="none" strike="noStrike" cap="none" spc="0" normalizeH="0" baseline="0">
             <a:ln>
               <a:noFill/>
             </a:ln>
@@ -6155,7 +6613,7 @@
           <a:buFontTx/>
           <a:buNone/>
           <a:tabLst/>
-          <a:defRPr b="0" baseline="0" cap="none" i="0" spc="0" strike="noStrike" sz="1800" u="none" kumimoji="0" normalizeH="0">
+          <a:defRPr kumimoji="0" sz="1800" b="0" i="0" u="none" strike="noStrike" cap="none" spc="0" normalizeH="0" baseline="0">
             <a:ln>
               <a:noFill/>
             </a:ln>
@@ -6181,7 +6639,7 @@
           <a:buFontTx/>
           <a:buNone/>
           <a:tabLst/>
-          <a:defRPr b="0" baseline="0" cap="none" i="0" spc="0" strike="noStrike" sz="1800" u="none" kumimoji="0" normalizeH="0">
+          <a:defRPr kumimoji="0" sz="1800" b="0" i="0" u="none" strike="noStrike" cap="none" spc="0" normalizeH="0" baseline="0">
             <a:ln>
               <a:noFill/>
             </a:ln>
@@ -6207,7 +6665,7 @@
           <a:buFontTx/>
           <a:buNone/>
           <a:tabLst/>
-          <a:defRPr b="0" baseline="0" cap="none" i="0" spc="0" strike="noStrike" sz="1800" u="none" kumimoji="0" normalizeH="0">
+          <a:defRPr kumimoji="0" sz="1800" b="0" i="0" u="none" strike="noStrike" cap="none" spc="0" normalizeH="0" baseline="0">
             <a:ln>
               <a:noFill/>
             </a:ln>
@@ -6233,7 +6691,7 @@
           <a:buFontTx/>
           <a:buNone/>
           <a:tabLst/>
-          <a:defRPr b="0" baseline="0" cap="none" i="0" spc="0" strike="noStrike" sz="1800" u="none" kumimoji="0" normalizeH="0">
+          <a:defRPr kumimoji="0" sz="1800" b="0" i="0" u="none" strike="noStrike" cap="none" spc="0" normalizeH="0" baseline="0">
             <a:ln>
               <a:noFill/>
             </a:ln>
@@ -6259,7 +6717,7 @@
           <a:buFontTx/>
           <a:buNone/>
           <a:tabLst/>
-          <a:defRPr b="0" baseline="0" cap="none" i="0" spc="0" strike="noStrike" sz="1800" u="none" kumimoji="0" normalizeH="0">
+          <a:defRPr kumimoji="0" sz="1800" b="0" i="0" u="none" strike="noStrike" cap="none" spc="0" normalizeH="0" baseline="0">
             <a:ln>
               <a:noFill/>
             </a:ln>
@@ -6285,7 +6743,7 @@
           <a:buFontTx/>
           <a:buNone/>
           <a:tabLst/>
-          <a:defRPr b="0" baseline="0" cap="none" i="0" spc="0" strike="noStrike" sz="1800" u="none" kumimoji="0" normalizeH="0">
+          <a:defRPr kumimoji="0" sz="1800" b="0" i="0" u="none" strike="noStrike" cap="none" spc="0" normalizeH="0" baseline="0">
             <a:ln>
               <a:noFill/>
             </a:ln>
@@ -6311,7 +6769,7 @@
           <a:buFontTx/>
           <a:buNone/>
           <a:tabLst/>
-          <a:defRPr b="0" baseline="0" cap="none" i="0" spc="0" strike="noStrike" sz="1800" u="none" kumimoji="0" normalizeH="0">
+          <a:defRPr kumimoji="0" sz="1800" b="0" i="0" u="none" strike="noStrike" cap="none" spc="0" normalizeH="0" baseline="0">
             <a:ln>
               <a:noFill/>
             </a:ln>
@@ -6337,7 +6795,7 @@
           <a:buFontTx/>
           <a:buNone/>
           <a:tabLst/>
-          <a:defRPr b="0" baseline="0" cap="none" i="0" spc="0" strike="noStrike" sz="1800" u="none" kumimoji="0" normalizeH="0">
+          <a:defRPr kumimoji="0" sz="1800" b="0" i="0" u="none" strike="noStrike" cap="none" spc="0" normalizeH="0" baseline="0">
             <a:ln>
               <a:noFill/>
             </a:ln>
@@ -6350,18 +6808,25 @@
         </a:lvl9pPr>
       </a:lstStyle>
       <a:style>
-        <a:lnRef idx="0"/>
-        <a:fillRef idx="0"/>
-        <a:effectRef idx="0"/>
+        <a:lnRef idx="0">
+          <a:scrgbClr r="0" g="0" b="0"/>
+        </a:lnRef>
+        <a:fillRef idx="0">
+          <a:scrgbClr r="0" g="0" b="0"/>
+        </a:fillRef>
+        <a:effectRef idx="0">
+          <a:scrgbClr r="0" g="0" b="0"/>
+        </a:effectRef>
         <a:fontRef idx="none"/>
       </a:style>
     </a:txDef>
   </a:objectDefaults>
+  <a:extraClrSchemeLst/>
 </a:theme>
 </file>
 
 <file path=ppt/theme/theme2.xml><?xml version="1.0" encoding="utf-8"?>
-<a:theme xmlns:a="http://schemas.openxmlformats.org/drawingml/2006/main" xmlns:r="http://schemas.openxmlformats.org/officeDocument/2006/relationships" name="Deep Blue - Template">
+<a:theme xmlns:a="http://schemas.openxmlformats.org/drawingml/2006/main" name="Deep Blue - Template">
   <a:themeElements>
     <a:clrScheme name="Deep Blue - Template">
       <a:dk1>
@@ -6487,7 +6952,7 @@
       <a:effectStyleLst>
         <a:effectStyle>
           <a:effectLst>
-            <a:outerShdw sx="100000" sy="100000" kx="0" ky="0" algn="b" rotWithShape="0" blurRad="38100" dist="23000" dir="5400000">
+            <a:outerShdw blurRad="38100" dist="23000" dir="5400000" rotWithShape="0">
               <a:srgbClr val="000000">
                 <a:alpha val="35000"/>
               </a:srgbClr>
@@ -6496,7 +6961,7 @@
         </a:effectStyle>
         <a:effectStyle>
           <a:effectLst>
-            <a:outerShdw sx="100000" sy="100000" kx="0" ky="0" algn="b" rotWithShape="0" blurRad="38100" dist="23000" dir="5400000">
+            <a:outerShdw blurRad="38100" dist="23000" dir="5400000" rotWithShape="0">
               <a:srgbClr val="000000">
                 <a:alpha val="35000"/>
               </a:srgbClr>
@@ -6505,7 +6970,7 @@
         </a:effectStyle>
         <a:effectStyle>
           <a:effectLst>
-            <a:outerShdw sx="100000" sy="100000" kx="0" ky="0" algn="b" rotWithShape="0" blurRad="38100" dist="23000" dir="5400000">
+            <a:outerShdw blurRad="38100" dist="23000" dir="5400000" rotWithShape="0">
               <a:srgbClr val="000000">
                 <a:alpha val="35000"/>
               </a:srgbClr>
@@ -6579,7 +7044,7 @@
           <a:round/>
         </a:ln>
         <a:effectLst>
-          <a:outerShdw sx="100000" sy="100000" kx="0" ky="0" algn="b" rotWithShape="0" blurRad="38100" dist="23000" dir="5400000">
+          <a:outerShdw blurRad="38100" dist="23000" dir="5400000" rotWithShape="0">
             <a:srgbClr val="000000">
               <a:alpha val="35000"/>
             </a:srgbClr>
@@ -6587,7 +7052,7 @@
         </a:effectLst>
         <a:sp3d/>
       </a:spPr>
-      <a:bodyPr rot="0" spcFirstLastPara="1" vertOverflow="overflow" horzOverflow="overflow" vert="horz" wrap="square" lIns="45718" tIns="45718" rIns="45718" bIns="45718" numCol="1" spcCol="38100" rtlCol="0" anchor="ctr" upright="0">
+      <a:bodyPr rot="0" spcFirstLastPara="1" vertOverflow="overflow" horzOverflow="overflow" vert="horz" wrap="square" lIns="45718" tIns="45718" rIns="45718" bIns="45718" numCol="1" spcCol="38100" rtlCol="0" anchor="ctr">
         <a:spAutoFit/>
       </a:bodyPr>
       <a:lstStyle>
@@ -6606,7 +7071,7 @@
           <a:buFontTx/>
           <a:buNone/>
           <a:tabLst/>
-          <a:defRPr b="0" baseline="0" cap="none" i="0" spc="0" strike="noStrike" sz="1800" u="none" kumimoji="0" normalizeH="0">
+          <a:defRPr kumimoji="0" sz="1800" b="0" i="0" u="none" strike="noStrike" cap="none" spc="0" normalizeH="0" baseline="0">
             <a:ln>
               <a:noFill/>
             </a:ln>
@@ -6636,7 +7101,7 @@
           <a:buFontTx/>
           <a:buNone/>
           <a:tabLst/>
-          <a:defRPr b="0" baseline="0" cap="none" i="0" spc="0" strike="noStrike" sz="1800" u="none" kumimoji="0" normalizeH="0">
+          <a:defRPr kumimoji="0" sz="1800" b="0" i="0" u="none" strike="noStrike" cap="none" spc="0" normalizeH="0" baseline="0">
             <a:ln>
               <a:noFill/>
             </a:ln>
@@ -6662,7 +7127,7 @@
           <a:buFontTx/>
           <a:buNone/>
           <a:tabLst/>
-          <a:defRPr b="0" baseline="0" cap="none" i="0" spc="0" strike="noStrike" sz="1800" u="none" kumimoji="0" normalizeH="0">
+          <a:defRPr kumimoji="0" sz="1800" b="0" i="0" u="none" strike="noStrike" cap="none" spc="0" normalizeH="0" baseline="0">
             <a:ln>
               <a:noFill/>
             </a:ln>
@@ -6688,7 +7153,7 @@
           <a:buFontTx/>
           <a:buNone/>
           <a:tabLst/>
-          <a:defRPr b="0" baseline="0" cap="none" i="0" spc="0" strike="noStrike" sz="1800" u="none" kumimoji="0" normalizeH="0">
+          <a:defRPr kumimoji="0" sz="1800" b="0" i="0" u="none" strike="noStrike" cap="none" spc="0" normalizeH="0" baseline="0">
             <a:ln>
               <a:noFill/>
             </a:ln>
@@ -6714,7 +7179,7 @@
           <a:buFontTx/>
           <a:buNone/>
           <a:tabLst/>
-          <a:defRPr b="0" baseline="0" cap="none" i="0" spc="0" strike="noStrike" sz="1800" u="none" kumimoji="0" normalizeH="0">
+          <a:defRPr kumimoji="0" sz="1800" b="0" i="0" u="none" strike="noStrike" cap="none" spc="0" normalizeH="0" baseline="0">
             <a:ln>
               <a:noFill/>
             </a:ln>
@@ -6740,7 +7205,7 @@
           <a:buFontTx/>
           <a:buNone/>
           <a:tabLst/>
-          <a:defRPr b="0" baseline="0" cap="none" i="0" spc="0" strike="noStrike" sz="1800" u="none" kumimoji="0" normalizeH="0">
+          <a:defRPr kumimoji="0" sz="1800" b="0" i="0" u="none" strike="noStrike" cap="none" spc="0" normalizeH="0" baseline="0">
             <a:ln>
               <a:noFill/>
             </a:ln>
@@ -6766,7 +7231,7 @@
           <a:buFontTx/>
           <a:buNone/>
           <a:tabLst/>
-          <a:defRPr b="0" baseline="0" cap="none" i="0" spc="0" strike="noStrike" sz="1800" u="none" kumimoji="0" normalizeH="0">
+          <a:defRPr kumimoji="0" sz="1800" b="0" i="0" u="none" strike="noStrike" cap="none" spc="0" normalizeH="0" baseline="0">
             <a:ln>
               <a:noFill/>
             </a:ln>
@@ -6792,7 +7257,7 @@
           <a:buFontTx/>
           <a:buNone/>
           <a:tabLst/>
-          <a:defRPr b="0" baseline="0" cap="none" i="0" spc="0" strike="noStrike" sz="1800" u="none" kumimoji="0" normalizeH="0">
+          <a:defRPr kumimoji="0" sz="1800" b="0" i="0" u="none" strike="noStrike" cap="none" spc="0" normalizeH="0" baseline="0">
             <a:ln>
               <a:noFill/>
             </a:ln>
@@ -6818,7 +7283,7 @@
           <a:buFontTx/>
           <a:buNone/>
           <a:tabLst/>
-          <a:defRPr b="0" baseline="0" cap="none" i="0" spc="0" strike="noStrike" sz="1800" u="none" kumimoji="0" normalizeH="0">
+          <a:defRPr kumimoji="0" sz="1800" b="0" i="0" u="none" strike="noStrike" cap="none" spc="0" normalizeH="0" baseline="0">
             <a:ln>
               <a:noFill/>
             </a:ln>
@@ -6844,7 +7309,7 @@
           <a:buFontTx/>
           <a:buNone/>
           <a:tabLst/>
-          <a:defRPr b="0" baseline="0" cap="none" i="0" spc="0" strike="noStrike" sz="1800" u="none" kumimoji="0" normalizeH="0">
+          <a:defRPr kumimoji="0" sz="1800" b="0" i="0" u="none" strike="noStrike" cap="none" spc="0" normalizeH="0" baseline="0">
             <a:ln>
               <a:noFill/>
             </a:ln>
@@ -6857,9 +7322,15 @@
         </a:lvl9pPr>
       </a:lstStyle>
       <a:style>
-        <a:lnRef idx="0"/>
-        <a:fillRef idx="0"/>
-        <a:effectRef idx="0"/>
+        <a:lnRef idx="0">
+          <a:scrgbClr r="0" g="0" b="0"/>
+        </a:lnRef>
+        <a:fillRef idx="0">
+          <a:scrgbClr r="0" g="0" b="0"/>
+        </a:fillRef>
+        <a:effectRef idx="0">
+          <a:scrgbClr r="0" g="0" b="0"/>
+        </a:effectRef>
         <a:fontRef idx="none"/>
       </a:style>
     </a:spDef>
@@ -6874,7 +7345,7 @@
           <a:round/>
         </a:ln>
         <a:effectLst>
-          <a:outerShdw sx="100000" sy="100000" kx="0" ky="0" algn="b" rotWithShape="0" blurRad="38100" dist="23000" dir="5400000">
+          <a:outerShdw blurRad="38100" dist="23000" dir="5400000" rotWithShape="0">
             <a:srgbClr val="000000">
               <a:alpha val="35000"/>
             </a:srgbClr>
@@ -6882,7 +7353,7 @@
         </a:effectLst>
         <a:sp3d/>
       </a:spPr>
-      <a:bodyPr rot="0" spcFirstLastPara="1" vertOverflow="overflow" horzOverflow="overflow" vert="horz" wrap="square" lIns="91439" tIns="45719" rIns="91439" bIns="45719" numCol="1" spcCol="38100" rtlCol="0" anchor="t" upright="0">
+      <a:bodyPr rot="0" spcFirstLastPara="1" vertOverflow="overflow" horzOverflow="overflow" vert="horz" wrap="square" lIns="91439" tIns="45719" rIns="91439" bIns="45719" numCol="1" spcCol="38100" rtlCol="0" anchor="t">
         <a:noAutofit/>
       </a:bodyPr>
       <a:lstStyle>
@@ -6901,7 +7372,7 @@
           <a:buFontTx/>
           <a:buNone/>
           <a:tabLst/>
-          <a:defRPr b="0" baseline="0" cap="none" i="0" spc="0" strike="noStrike" sz="1800" u="none" kumimoji="0" normalizeH="0">
+          <a:defRPr kumimoji="0" sz="1800" b="0" i="0" u="none" strike="noStrike" cap="none" spc="0" normalizeH="0" baseline="0">
             <a:ln>
               <a:noFill/>
             </a:ln>
@@ -6927,7 +7398,7 @@
           <a:buFontTx/>
           <a:buNone/>
           <a:tabLst/>
-          <a:defRPr b="0" baseline="0" cap="none" i="0" spc="0" strike="noStrike" sz="1800" u="none" kumimoji="0" normalizeH="0">
+          <a:defRPr kumimoji="0" sz="1800" b="0" i="0" u="none" strike="noStrike" cap="none" spc="0" normalizeH="0" baseline="0">
             <a:ln>
               <a:noFill/>
             </a:ln>
@@ -6953,7 +7424,7 @@
           <a:buFontTx/>
           <a:buNone/>
           <a:tabLst/>
-          <a:defRPr b="0" baseline="0" cap="none" i="0" spc="0" strike="noStrike" sz="1800" u="none" kumimoji="0" normalizeH="0">
+          <a:defRPr kumimoji="0" sz="1800" b="0" i="0" u="none" strike="noStrike" cap="none" spc="0" normalizeH="0" baseline="0">
             <a:ln>
               <a:noFill/>
             </a:ln>
@@ -6979,7 +7450,7 @@
           <a:buFontTx/>
           <a:buNone/>
           <a:tabLst/>
-          <a:defRPr b="0" baseline="0" cap="none" i="0" spc="0" strike="noStrike" sz="1800" u="none" kumimoji="0" normalizeH="0">
+          <a:defRPr kumimoji="0" sz="1800" b="0" i="0" u="none" strike="noStrike" cap="none" spc="0" normalizeH="0" baseline="0">
             <a:ln>
               <a:noFill/>
             </a:ln>
@@ -7005,7 +7476,7 @@
           <a:buFontTx/>
           <a:buNone/>
           <a:tabLst/>
-          <a:defRPr b="0" baseline="0" cap="none" i="0" spc="0" strike="noStrike" sz="1800" u="none" kumimoji="0" normalizeH="0">
+          <a:defRPr kumimoji="0" sz="1800" b="0" i="0" u="none" strike="noStrike" cap="none" spc="0" normalizeH="0" baseline="0">
             <a:ln>
               <a:noFill/>
             </a:ln>
@@ -7031,7 +7502,7 @@
           <a:buFontTx/>
           <a:buNone/>
           <a:tabLst/>
-          <a:defRPr b="0" baseline="0" cap="none" i="0" spc="0" strike="noStrike" sz="1800" u="none" kumimoji="0" normalizeH="0">
+          <a:defRPr kumimoji="0" sz="1800" b="0" i="0" u="none" strike="noStrike" cap="none" spc="0" normalizeH="0" baseline="0">
             <a:ln>
               <a:noFill/>
             </a:ln>
@@ -7057,7 +7528,7 @@
           <a:buFontTx/>
           <a:buNone/>
           <a:tabLst/>
-          <a:defRPr b="0" baseline="0" cap="none" i="0" spc="0" strike="noStrike" sz="1800" u="none" kumimoji="0" normalizeH="0">
+          <a:defRPr kumimoji="0" sz="1800" b="0" i="0" u="none" strike="noStrike" cap="none" spc="0" normalizeH="0" baseline="0">
             <a:ln>
               <a:noFill/>
             </a:ln>
@@ -7083,7 +7554,7 @@
           <a:buFontTx/>
           <a:buNone/>
           <a:tabLst/>
-          <a:defRPr b="0" baseline="0" cap="none" i="0" spc="0" strike="noStrike" sz="1800" u="none" kumimoji="0" normalizeH="0">
+          <a:defRPr kumimoji="0" sz="1800" b="0" i="0" u="none" strike="noStrike" cap="none" spc="0" normalizeH="0" baseline="0">
             <a:ln>
               <a:noFill/>
             </a:ln>
@@ -7109,7 +7580,7 @@
           <a:buFontTx/>
           <a:buNone/>
           <a:tabLst/>
-          <a:defRPr b="0" baseline="0" cap="none" i="0" spc="0" strike="noStrike" sz="1800" u="none" kumimoji="0" normalizeH="0">
+          <a:defRPr kumimoji="0" sz="1800" b="0" i="0" u="none" strike="noStrike" cap="none" spc="0" normalizeH="0" baseline="0">
             <a:ln>
               <a:noFill/>
             </a:ln>
@@ -7135,7 +7606,7 @@
           <a:buFontTx/>
           <a:buNone/>
           <a:tabLst/>
-          <a:defRPr b="0" baseline="0" cap="none" i="0" spc="0" strike="noStrike" sz="1800" u="none" kumimoji="0" normalizeH="0">
+          <a:defRPr kumimoji="0" sz="1800" b="0" i="0" u="none" strike="noStrike" cap="none" spc="0" normalizeH="0" baseline="0">
             <a:ln>
               <a:noFill/>
             </a:ln>
@@ -7148,9 +7619,15 @@
         </a:lvl9pPr>
       </a:lstStyle>
       <a:style>
-        <a:lnRef idx="0"/>
-        <a:fillRef idx="0"/>
-        <a:effectRef idx="0"/>
+        <a:lnRef idx="0">
+          <a:scrgbClr r="0" g="0" b="0"/>
+        </a:lnRef>
+        <a:fillRef idx="0">
+          <a:scrgbClr r="0" g="0" b="0"/>
+        </a:fillRef>
+        <a:effectRef idx="0">
+          <a:scrgbClr r="0" g="0" b="0"/>
+        </a:effectRef>
         <a:fontRef idx="none"/>
       </a:style>
     </a:lnDef>
@@ -7164,7 +7641,7 @@
         <a:effectLst/>
         <a:sp3d/>
       </a:spPr>
-      <a:bodyPr rot="0" spcFirstLastPara="1" vertOverflow="overflow" horzOverflow="overflow" vert="horz" wrap="square" lIns="45718" tIns="45718" rIns="45718" bIns="45718" numCol="1" spcCol="38100" rtlCol="0" anchor="t" upright="0">
+      <a:bodyPr rot="0" spcFirstLastPara="1" vertOverflow="overflow" horzOverflow="overflow" vert="horz" wrap="square" lIns="45718" tIns="45718" rIns="45718" bIns="45718" numCol="1" spcCol="38100" rtlCol="0" anchor="t">
         <a:spAutoFit/>
       </a:bodyPr>
       <a:lstStyle>
@@ -7183,7 +7660,7 @@
           <a:buFontTx/>
           <a:buNone/>
           <a:tabLst/>
-          <a:defRPr b="0" baseline="0" cap="none" i="0" spc="0" strike="noStrike" sz="1800" u="none" kumimoji="0" normalizeH="0">
+          <a:defRPr kumimoji="0" sz="1800" b="0" i="0" u="none" strike="noStrike" cap="none" spc="0" normalizeH="0" baseline="0">
             <a:ln>
               <a:noFill/>
             </a:ln>
@@ -7213,7 +7690,7 @@
           <a:buFontTx/>
           <a:buNone/>
           <a:tabLst/>
-          <a:defRPr b="0" baseline="0" cap="none" i="0" spc="0" strike="noStrike" sz="1800" u="none" kumimoji="0" normalizeH="0">
+          <a:defRPr kumimoji="0" sz="1800" b="0" i="0" u="none" strike="noStrike" cap="none" spc="0" normalizeH="0" baseline="0">
             <a:ln>
               <a:noFill/>
             </a:ln>
@@ -7239,7 +7716,7 @@
           <a:buFontTx/>
           <a:buNone/>
           <a:tabLst/>
-          <a:defRPr b="0" baseline="0" cap="none" i="0" spc="0" strike="noStrike" sz="1800" u="none" kumimoji="0" normalizeH="0">
+          <a:defRPr kumimoji="0" sz="1800" b="0" i="0" u="none" strike="noStrike" cap="none" spc="0" normalizeH="0" baseline="0">
             <a:ln>
               <a:noFill/>
             </a:ln>
@@ -7265,7 +7742,7 @@
           <a:buFontTx/>
           <a:buNone/>
           <a:tabLst/>
-          <a:defRPr b="0" baseline="0" cap="none" i="0" spc="0" strike="noStrike" sz="1800" u="none" kumimoji="0" normalizeH="0">
+          <a:defRPr kumimoji="0" sz="1800" b="0" i="0" u="none" strike="noStrike" cap="none" spc="0" normalizeH="0" baseline="0">
             <a:ln>
               <a:noFill/>
             </a:ln>
@@ -7291,7 +7768,7 @@
           <a:buFontTx/>
           <a:buNone/>
           <a:tabLst/>
-          <a:defRPr b="0" baseline="0" cap="none" i="0" spc="0" strike="noStrike" sz="1800" u="none" kumimoji="0" normalizeH="0">
+          <a:defRPr kumimoji="0" sz="1800" b="0" i="0" u="none" strike="noStrike" cap="none" spc="0" normalizeH="0" baseline="0">
             <a:ln>
               <a:noFill/>
             </a:ln>
@@ -7317,7 +7794,7 @@
           <a:buFontTx/>
           <a:buNone/>
           <a:tabLst/>
-          <a:defRPr b="0" baseline="0" cap="none" i="0" spc="0" strike="noStrike" sz="1800" u="none" kumimoji="0" normalizeH="0">
+          <a:defRPr kumimoji="0" sz="1800" b="0" i="0" u="none" strike="noStrike" cap="none" spc="0" normalizeH="0" baseline="0">
             <a:ln>
               <a:noFill/>
             </a:ln>
@@ -7343,7 +7820,7 @@
           <a:buFontTx/>
           <a:buNone/>
           <a:tabLst/>
-          <a:defRPr b="0" baseline="0" cap="none" i="0" spc="0" strike="noStrike" sz="1800" u="none" kumimoji="0" normalizeH="0">
+          <a:defRPr kumimoji="0" sz="1800" b="0" i="0" u="none" strike="noStrike" cap="none" spc="0" normalizeH="0" baseline="0">
             <a:ln>
               <a:noFill/>
             </a:ln>
@@ -7369,7 +7846,7 @@
           <a:buFontTx/>
           <a:buNone/>
           <a:tabLst/>
-          <a:defRPr b="0" baseline="0" cap="none" i="0" spc="0" strike="noStrike" sz="1800" u="none" kumimoji="0" normalizeH="0">
+          <a:defRPr kumimoji="0" sz="1800" b="0" i="0" u="none" strike="noStrike" cap="none" spc="0" normalizeH="0" baseline="0">
             <a:ln>
               <a:noFill/>
             </a:ln>
@@ -7395,7 +7872,7 @@
           <a:buFontTx/>
           <a:buNone/>
           <a:tabLst/>
-          <a:defRPr b="0" baseline="0" cap="none" i="0" spc="0" strike="noStrike" sz="1800" u="none" kumimoji="0" normalizeH="0">
+          <a:defRPr kumimoji="0" sz="1800" b="0" i="0" u="none" strike="noStrike" cap="none" spc="0" normalizeH="0" baseline="0">
             <a:ln>
               <a:noFill/>
             </a:ln>
@@ -7421,7 +7898,7 @@
           <a:buFontTx/>
           <a:buNone/>
           <a:tabLst/>
-          <a:defRPr b="0" baseline="0" cap="none" i="0" spc="0" strike="noStrike" sz="1800" u="none" kumimoji="0" normalizeH="0">
+          <a:defRPr kumimoji="0" sz="1800" b="0" i="0" u="none" strike="noStrike" cap="none" spc="0" normalizeH="0" baseline="0">
             <a:ln>
               <a:noFill/>
             </a:ln>
@@ -7434,12 +7911,19 @@
         </a:lvl9pPr>
       </a:lstStyle>
       <a:style>
-        <a:lnRef idx="0"/>
-        <a:fillRef idx="0"/>
-        <a:effectRef idx="0"/>
+        <a:lnRef idx="0">
+          <a:scrgbClr r="0" g="0" b="0"/>
+        </a:lnRef>
+        <a:fillRef idx="0">
+          <a:scrgbClr r="0" g="0" b="0"/>
+        </a:fillRef>
+        <a:effectRef idx="0">
+          <a:scrgbClr r="0" g="0" b="0"/>
+        </a:effectRef>
         <a:fontRef idx="none"/>
       </a:style>
     </a:txDef>
   </a:objectDefaults>
+  <a:extraClrSchemeLst/>
 </a:theme>
 </file>